--- a/04_ChainesFermees/TD_01_LoisES_ProtheseTranstibiale/images/Figures.pptx
+++ b/04_ChainesFermees/TD_01_LoisES_ProtheseTranstibiale/images/Figures.pptx
@@ -8,6 +8,7 @@
     <p:sldId id="256" r:id="rId2"/>
     <p:sldId id="257" r:id="rId3"/>
     <p:sldId id="258" r:id="rId4"/>
+    <p:sldId id="259" r:id="rId5"/>
   </p:sldIdLst>
   <p:sldSz cx="9144000" cy="6858000" type="screen4x3"/>
   <p:notesSz cx="6858000" cy="9144000"/>
@@ -290,7 +291,7 @@
           <a:p>
             <a:fld id="{AA309A6D-C09C-4548-B29A-6CF363A7E532}" type="datetimeFigureOut">
               <a:rPr lang="fr-FR" smtClean="0"/>
-              <a:t>07/07/2014</a:t>
+              <a:t>18/11/2014</a:t>
             </a:fld>
             <a:endParaRPr lang="fr-BE"/>
           </a:p>
@@ -455,7 +456,7 @@
           <a:p>
             <a:fld id="{AA309A6D-C09C-4548-B29A-6CF363A7E532}" type="datetimeFigureOut">
               <a:rPr lang="fr-FR" smtClean="0"/>
-              <a:t>07/07/2014</a:t>
+              <a:t>18/11/2014</a:t>
             </a:fld>
             <a:endParaRPr lang="fr-BE"/>
           </a:p>
@@ -630,7 +631,7 @@
           <a:p>
             <a:fld id="{AA309A6D-C09C-4548-B29A-6CF363A7E532}" type="datetimeFigureOut">
               <a:rPr lang="fr-FR" smtClean="0"/>
-              <a:t>07/07/2014</a:t>
+              <a:t>18/11/2014</a:t>
             </a:fld>
             <a:endParaRPr lang="fr-BE"/>
           </a:p>
@@ -795,7 +796,7 @@
           <a:p>
             <a:fld id="{AA309A6D-C09C-4548-B29A-6CF363A7E532}" type="datetimeFigureOut">
               <a:rPr lang="fr-FR" smtClean="0"/>
-              <a:t>07/07/2014</a:t>
+              <a:t>18/11/2014</a:t>
             </a:fld>
             <a:endParaRPr lang="fr-BE"/>
           </a:p>
@@ -1036,7 +1037,7 @@
           <a:p>
             <a:fld id="{AA309A6D-C09C-4548-B29A-6CF363A7E532}" type="datetimeFigureOut">
               <a:rPr lang="fr-FR" smtClean="0"/>
-              <a:t>07/07/2014</a:t>
+              <a:t>18/11/2014</a:t>
             </a:fld>
             <a:endParaRPr lang="fr-BE"/>
           </a:p>
@@ -1319,7 +1320,7 @@
           <a:p>
             <a:fld id="{AA309A6D-C09C-4548-B29A-6CF363A7E532}" type="datetimeFigureOut">
               <a:rPr lang="fr-FR" smtClean="0"/>
-              <a:t>07/07/2014</a:t>
+              <a:t>18/11/2014</a:t>
             </a:fld>
             <a:endParaRPr lang="fr-BE"/>
           </a:p>
@@ -1736,7 +1737,7 @@
           <a:p>
             <a:fld id="{AA309A6D-C09C-4548-B29A-6CF363A7E532}" type="datetimeFigureOut">
               <a:rPr lang="fr-FR" smtClean="0"/>
-              <a:t>07/07/2014</a:t>
+              <a:t>18/11/2014</a:t>
             </a:fld>
             <a:endParaRPr lang="fr-BE"/>
           </a:p>
@@ -1849,7 +1850,7 @@
           <a:p>
             <a:fld id="{AA309A6D-C09C-4548-B29A-6CF363A7E532}" type="datetimeFigureOut">
               <a:rPr lang="fr-FR" smtClean="0"/>
-              <a:t>07/07/2014</a:t>
+              <a:t>18/11/2014</a:t>
             </a:fld>
             <a:endParaRPr lang="fr-BE"/>
           </a:p>
@@ -1939,7 +1940,7 @@
           <a:p>
             <a:fld id="{AA309A6D-C09C-4548-B29A-6CF363A7E532}" type="datetimeFigureOut">
               <a:rPr lang="fr-FR" smtClean="0"/>
-              <a:t>07/07/2014</a:t>
+              <a:t>18/11/2014</a:t>
             </a:fld>
             <a:endParaRPr lang="fr-BE"/>
           </a:p>
@@ -2211,7 +2212,7 @@
           <a:p>
             <a:fld id="{AA309A6D-C09C-4548-B29A-6CF363A7E532}" type="datetimeFigureOut">
               <a:rPr lang="fr-FR" smtClean="0"/>
-              <a:t>07/07/2014</a:t>
+              <a:t>18/11/2014</a:t>
             </a:fld>
             <a:endParaRPr lang="fr-BE"/>
           </a:p>
@@ -2459,7 +2460,7 @@
           <a:p>
             <a:fld id="{AA309A6D-C09C-4548-B29A-6CF363A7E532}" type="datetimeFigureOut">
               <a:rPr lang="fr-FR" smtClean="0"/>
-              <a:t>07/07/2014</a:t>
+              <a:t>18/11/2014</a:t>
             </a:fld>
             <a:endParaRPr lang="fr-BE"/>
           </a:p>
@@ -2667,7 +2668,7 @@
           <a:p>
             <a:fld id="{AA309A6D-C09C-4548-B29A-6CF363A7E532}" type="datetimeFigureOut">
               <a:rPr lang="fr-FR" smtClean="0"/>
-              <a:t>07/07/2014</a:t>
+              <a:t>18/11/2014</a:t>
             </a:fld>
             <a:endParaRPr lang="fr-BE"/>
           </a:p>
@@ -3450,8 +3451,8 @@
             </p:style>
           </p:cxnSp>
         </p:grpSp>
-        <mc:AlternateContent xmlns:mc="http://schemas.openxmlformats.org/markup-compatibility/2006">
-          <mc:Choice xmlns:a14="http://schemas.microsoft.com/office/drawing/2010/main" Requires="a14">
+        <mc:AlternateContent xmlns:mc="http://schemas.openxmlformats.org/markup-compatibility/2006" xmlns:a14="http://schemas.microsoft.com/office/drawing/2010/main">
+          <mc:Choice Requires="a14">
             <p:sp>
               <p:nvSpPr>
                 <p:cNvPr id="6" name="ZoneTexte 5"/>
@@ -3474,6 +3475,7 @@
                 </a:bodyPr>
                 <a:lstStyle/>
                 <a:p>
+                  <a:pPr/>
                   <a14:m>
                     <m:oMathPara xmlns:m="http://schemas.openxmlformats.org/officeDocument/2006/math">
                       <m:oMathParaPr>
@@ -3525,7 +3527,7 @@
               </p:txBody>
             </p:sp>
           </mc:Choice>
-          <mc:Fallback>
+          <mc:Fallback xmlns="">
             <p:sp>
               <p:nvSpPr>
                 <p:cNvPr id="6" name="ZoneTexte 5"/>
@@ -3762,8 +3764,8 @@
             </p:txBody>
           </p:sp>
         </p:grpSp>
-        <mc:AlternateContent xmlns:mc="http://schemas.openxmlformats.org/markup-compatibility/2006">
-          <mc:Choice xmlns:a14="http://schemas.microsoft.com/office/drawing/2010/main" Requires="a14">
+        <mc:AlternateContent xmlns:mc="http://schemas.openxmlformats.org/markup-compatibility/2006" xmlns:a14="http://schemas.microsoft.com/office/drawing/2010/main">
+          <mc:Choice Requires="a14">
             <p:sp>
               <p:nvSpPr>
                 <p:cNvPr id="28" name="ZoneTexte 27"/>
@@ -3786,6 +3788,7 @@
                 </a:bodyPr>
                 <a:lstStyle/>
                 <a:p>
+                  <a:pPr/>
                   <a14:m>
                     <m:oMathPara xmlns:m="http://schemas.openxmlformats.org/officeDocument/2006/math">
                       <m:oMathParaPr>
@@ -3837,7 +3840,7 @@
               </p:txBody>
             </p:sp>
           </mc:Choice>
-          <mc:Fallback>
+          <mc:Fallback xmlns="">
             <p:sp>
               <p:nvSpPr>
                 <p:cNvPr id="28" name="ZoneTexte 27"/>
@@ -3876,8 +3879,8 @@
             </p:sp>
           </mc:Fallback>
         </mc:AlternateContent>
-        <mc:AlternateContent xmlns:mc="http://schemas.openxmlformats.org/markup-compatibility/2006">
-          <mc:Choice xmlns:a14="http://schemas.microsoft.com/office/drawing/2010/main" Requires="a14">
+        <mc:AlternateContent xmlns:mc="http://schemas.openxmlformats.org/markup-compatibility/2006" xmlns:a14="http://schemas.microsoft.com/office/drawing/2010/main">
+          <mc:Choice Requires="a14">
             <p:sp>
               <p:nvSpPr>
                 <p:cNvPr id="29" name="ZoneTexte 28"/>
@@ -3900,6 +3903,7 @@
                 </a:bodyPr>
                 <a:lstStyle/>
                 <a:p>
+                  <a:pPr/>
                   <a14:m>
                     <m:oMathPara xmlns:m="http://schemas.openxmlformats.org/officeDocument/2006/math">
                       <m:oMathParaPr>
@@ -3951,7 +3955,7 @@
               </p:txBody>
             </p:sp>
           </mc:Choice>
-          <mc:Fallback>
+          <mc:Fallback xmlns="">
             <p:sp>
               <p:nvSpPr>
                 <p:cNvPr id="29" name="ZoneTexte 28"/>
@@ -3990,8 +3994,8 @@
             </p:sp>
           </mc:Fallback>
         </mc:AlternateContent>
-        <mc:AlternateContent xmlns:mc="http://schemas.openxmlformats.org/markup-compatibility/2006">
-          <mc:Choice xmlns:a14="http://schemas.microsoft.com/office/drawing/2010/main" Requires="a14">
+        <mc:AlternateContent xmlns:mc="http://schemas.openxmlformats.org/markup-compatibility/2006" xmlns:a14="http://schemas.microsoft.com/office/drawing/2010/main">
+          <mc:Choice Requires="a14">
             <p:sp>
               <p:nvSpPr>
                 <p:cNvPr id="30" name="ZoneTexte 29"/>
@@ -4014,6 +4018,7 @@
                 </a:bodyPr>
                 <a:lstStyle/>
                 <a:p>
+                  <a:pPr/>
                   <a14:m>
                     <m:oMathPara xmlns:m="http://schemas.openxmlformats.org/officeDocument/2006/math">
                       <m:oMathParaPr>
@@ -4065,7 +4070,7 @@
               </p:txBody>
             </p:sp>
           </mc:Choice>
-          <mc:Fallback>
+          <mc:Fallback xmlns="">
             <p:sp>
               <p:nvSpPr>
                 <p:cNvPr id="30" name="ZoneTexte 29"/>
@@ -4152,8 +4157,8 @@
             </a:p>
           </p:txBody>
         </p:sp>
-        <mc:AlternateContent xmlns:mc="http://schemas.openxmlformats.org/markup-compatibility/2006">
-          <mc:Choice xmlns:a14="http://schemas.microsoft.com/office/drawing/2010/main" Requires="a14">
+        <mc:AlternateContent xmlns:mc="http://schemas.openxmlformats.org/markup-compatibility/2006" xmlns:a14="http://schemas.microsoft.com/office/drawing/2010/main">
+          <mc:Choice Requires="a14">
             <p:sp>
               <p:nvSpPr>
                 <p:cNvPr id="49" name="ZoneTexte 48"/>
@@ -4176,6 +4181,7 @@
                 </a:bodyPr>
                 <a:lstStyle/>
                 <a:p>
+                  <a:pPr/>
                   <a14:m>
                     <m:oMathPara xmlns:m="http://schemas.openxmlformats.org/officeDocument/2006/math">
                       <m:oMathParaPr>
@@ -4214,7 +4220,7 @@
               </p:txBody>
             </p:sp>
           </mc:Choice>
-          <mc:Fallback>
+          <mc:Fallback xmlns="">
             <p:sp>
               <p:nvSpPr>
                 <p:cNvPr id="49" name="ZoneTexte 48"/>
@@ -4268,8 +4274,8 @@
             <a:chExt cx="2235388" cy="2094605"/>
           </a:xfrm>
         </p:grpSpPr>
-        <mc:AlternateContent xmlns:mc="http://schemas.openxmlformats.org/markup-compatibility/2006">
-          <mc:Choice xmlns:a14="http://schemas.microsoft.com/office/drawing/2010/main" Requires="a14">
+        <mc:AlternateContent xmlns:mc="http://schemas.openxmlformats.org/markup-compatibility/2006" xmlns:a14="http://schemas.microsoft.com/office/drawing/2010/main">
+          <mc:Choice Requires="a14">
             <p:sp>
               <p:nvSpPr>
                 <p:cNvPr id="67" name="ZoneTexte 66"/>
@@ -4292,6 +4298,7 @@
                 </a:bodyPr>
                 <a:lstStyle/>
                 <a:p>
+                  <a:pPr/>
                   <a14:m>
                     <m:oMathPara xmlns:m="http://schemas.openxmlformats.org/officeDocument/2006/math">
                       <m:oMathParaPr>
@@ -4330,7 +4337,7 @@
               </p:txBody>
             </p:sp>
           </mc:Choice>
-          <mc:Fallback>
+          <mc:Fallback xmlns="">
             <p:sp>
               <p:nvSpPr>
                 <p:cNvPr id="67" name="ZoneTexte 66"/>
@@ -4456,8 +4463,8 @@
             </p:style>
           </p:cxnSp>
         </p:grpSp>
-        <mc:AlternateContent xmlns:mc="http://schemas.openxmlformats.org/markup-compatibility/2006">
-          <mc:Choice xmlns:a14="http://schemas.microsoft.com/office/drawing/2010/main" Requires="a14">
+        <mc:AlternateContent xmlns:mc="http://schemas.openxmlformats.org/markup-compatibility/2006" xmlns:a14="http://schemas.microsoft.com/office/drawing/2010/main">
+          <mc:Choice Requires="a14">
             <p:sp>
               <p:nvSpPr>
                 <p:cNvPr id="60" name="ZoneTexte 59"/>
@@ -4480,6 +4487,7 @@
                 </a:bodyPr>
                 <a:lstStyle/>
                 <a:p>
+                  <a:pPr/>
                   <a14:m>
                     <m:oMathPara xmlns:m="http://schemas.openxmlformats.org/officeDocument/2006/math">
                       <m:oMathParaPr>
@@ -4531,7 +4539,7 @@
               </p:txBody>
             </p:sp>
           </mc:Choice>
-          <mc:Fallback>
+          <mc:Fallback xmlns="">
             <p:sp>
               <p:nvSpPr>
                 <p:cNvPr id="60" name="ZoneTexte 59"/>
@@ -4768,8 +4776,8 @@
             </p:txBody>
           </p:sp>
         </p:grpSp>
-        <mc:AlternateContent xmlns:mc="http://schemas.openxmlformats.org/markup-compatibility/2006">
-          <mc:Choice xmlns:a14="http://schemas.microsoft.com/office/drawing/2010/main" Requires="a14">
+        <mc:AlternateContent xmlns:mc="http://schemas.openxmlformats.org/markup-compatibility/2006" xmlns:a14="http://schemas.microsoft.com/office/drawing/2010/main">
+          <mc:Choice Requires="a14">
             <p:sp>
               <p:nvSpPr>
                 <p:cNvPr id="63" name="ZoneTexte 62"/>
@@ -4792,6 +4800,7 @@
                 </a:bodyPr>
                 <a:lstStyle/>
                 <a:p>
+                  <a:pPr/>
                   <a14:m>
                     <m:oMathPara xmlns:m="http://schemas.openxmlformats.org/officeDocument/2006/math">
                       <m:oMathParaPr>
@@ -4843,7 +4852,7 @@
               </p:txBody>
             </p:sp>
           </mc:Choice>
-          <mc:Fallback>
+          <mc:Fallback xmlns="">
             <p:sp>
               <p:nvSpPr>
                 <p:cNvPr id="63" name="ZoneTexte 62"/>
@@ -4882,8 +4891,8 @@
             </p:sp>
           </mc:Fallback>
         </mc:AlternateContent>
-        <mc:AlternateContent xmlns:mc="http://schemas.openxmlformats.org/markup-compatibility/2006">
-          <mc:Choice xmlns:a14="http://schemas.microsoft.com/office/drawing/2010/main" Requires="a14">
+        <mc:AlternateContent xmlns:mc="http://schemas.openxmlformats.org/markup-compatibility/2006" xmlns:a14="http://schemas.microsoft.com/office/drawing/2010/main">
+          <mc:Choice Requires="a14">
             <p:sp>
               <p:nvSpPr>
                 <p:cNvPr id="64" name="ZoneTexte 63"/>
@@ -4906,6 +4915,7 @@
                 </a:bodyPr>
                 <a:lstStyle/>
                 <a:p>
+                  <a:pPr/>
                   <a14:m>
                     <m:oMathPara xmlns:m="http://schemas.openxmlformats.org/officeDocument/2006/math">
                       <m:oMathParaPr>
@@ -4957,7 +4967,7 @@
               </p:txBody>
             </p:sp>
           </mc:Choice>
-          <mc:Fallback>
+          <mc:Fallback xmlns="">
             <p:sp>
               <p:nvSpPr>
                 <p:cNvPr id="64" name="ZoneTexte 63"/>
@@ -4996,8 +5006,8 @@
             </p:sp>
           </mc:Fallback>
         </mc:AlternateContent>
-        <mc:AlternateContent xmlns:mc="http://schemas.openxmlformats.org/markup-compatibility/2006">
-          <mc:Choice xmlns:a14="http://schemas.microsoft.com/office/drawing/2010/main" Requires="a14">
+        <mc:AlternateContent xmlns:mc="http://schemas.openxmlformats.org/markup-compatibility/2006" xmlns:a14="http://schemas.microsoft.com/office/drawing/2010/main">
+          <mc:Choice Requires="a14">
             <p:sp>
               <p:nvSpPr>
                 <p:cNvPr id="65" name="ZoneTexte 64"/>
@@ -5020,6 +5030,7 @@
                 </a:bodyPr>
                 <a:lstStyle/>
                 <a:p>
+                  <a:pPr/>
                   <a14:m>
                     <m:oMathPara xmlns:m="http://schemas.openxmlformats.org/officeDocument/2006/math">
                       <m:oMathParaPr>
@@ -5071,7 +5082,7 @@
               </p:txBody>
             </p:sp>
           </mc:Choice>
-          <mc:Fallback>
+          <mc:Fallback xmlns="">
             <p:sp>
               <p:nvSpPr>
                 <p:cNvPr id="65" name="ZoneTexte 64"/>
@@ -5173,8 +5184,8 @@
             <a:chExt cx="2235388" cy="2094605"/>
           </a:xfrm>
         </p:grpSpPr>
-        <mc:AlternateContent xmlns:mc="http://schemas.openxmlformats.org/markup-compatibility/2006">
-          <mc:Choice xmlns:a14="http://schemas.microsoft.com/office/drawing/2010/main" Requires="a14">
+        <mc:AlternateContent xmlns:mc="http://schemas.openxmlformats.org/markup-compatibility/2006" xmlns:a14="http://schemas.microsoft.com/office/drawing/2010/main">
+          <mc:Choice Requires="a14">
             <p:sp>
               <p:nvSpPr>
                 <p:cNvPr id="83" name="ZoneTexte 82"/>
@@ -5197,6 +5208,7 @@
                 </a:bodyPr>
                 <a:lstStyle/>
                 <a:p>
+                  <a:pPr/>
                   <a14:m>
                     <m:oMathPara xmlns:m="http://schemas.openxmlformats.org/officeDocument/2006/math">
                       <m:oMathParaPr>
@@ -5235,7 +5247,7 @@
               </p:txBody>
             </p:sp>
           </mc:Choice>
-          <mc:Fallback>
+          <mc:Fallback xmlns="">
             <p:sp>
               <p:nvSpPr>
                 <p:cNvPr id="83" name="ZoneTexte 82"/>
@@ -5361,8 +5373,8 @@
             </p:style>
           </p:cxnSp>
         </p:grpSp>
-        <mc:AlternateContent xmlns:mc="http://schemas.openxmlformats.org/markup-compatibility/2006">
-          <mc:Choice xmlns:a14="http://schemas.microsoft.com/office/drawing/2010/main" Requires="a14">
+        <mc:AlternateContent xmlns:mc="http://schemas.openxmlformats.org/markup-compatibility/2006" xmlns:a14="http://schemas.microsoft.com/office/drawing/2010/main">
+          <mc:Choice Requires="a14">
             <p:sp>
               <p:nvSpPr>
                 <p:cNvPr id="76" name="ZoneTexte 75"/>
@@ -5385,6 +5397,7 @@
                 </a:bodyPr>
                 <a:lstStyle/>
                 <a:p>
+                  <a:pPr/>
                   <a14:m>
                     <m:oMathPara xmlns:m="http://schemas.openxmlformats.org/officeDocument/2006/math">
                       <m:oMathParaPr>
@@ -5436,7 +5449,7 @@
               </p:txBody>
             </p:sp>
           </mc:Choice>
-          <mc:Fallback>
+          <mc:Fallback xmlns="">
             <p:sp>
               <p:nvSpPr>
                 <p:cNvPr id="76" name="ZoneTexte 75"/>
@@ -5673,8 +5686,8 @@
             </p:txBody>
           </p:sp>
         </p:grpSp>
-        <mc:AlternateContent xmlns:mc="http://schemas.openxmlformats.org/markup-compatibility/2006">
-          <mc:Choice xmlns:a14="http://schemas.microsoft.com/office/drawing/2010/main" Requires="a14">
+        <mc:AlternateContent xmlns:mc="http://schemas.openxmlformats.org/markup-compatibility/2006" xmlns:a14="http://schemas.microsoft.com/office/drawing/2010/main">
+          <mc:Choice Requires="a14">
             <p:sp>
               <p:nvSpPr>
                 <p:cNvPr id="79" name="ZoneTexte 78"/>
@@ -5697,6 +5710,7 @@
                 </a:bodyPr>
                 <a:lstStyle/>
                 <a:p>
+                  <a:pPr/>
                   <a14:m>
                     <m:oMathPara xmlns:m="http://schemas.openxmlformats.org/officeDocument/2006/math">
                       <m:oMathParaPr>
@@ -5748,7 +5762,7 @@
               </p:txBody>
             </p:sp>
           </mc:Choice>
-          <mc:Fallback>
+          <mc:Fallback xmlns="">
             <p:sp>
               <p:nvSpPr>
                 <p:cNvPr id="79" name="ZoneTexte 78"/>
@@ -5787,8 +5801,8 @@
             </p:sp>
           </mc:Fallback>
         </mc:AlternateContent>
-        <mc:AlternateContent xmlns:mc="http://schemas.openxmlformats.org/markup-compatibility/2006">
-          <mc:Choice xmlns:a14="http://schemas.microsoft.com/office/drawing/2010/main" Requires="a14">
+        <mc:AlternateContent xmlns:mc="http://schemas.openxmlformats.org/markup-compatibility/2006" xmlns:a14="http://schemas.microsoft.com/office/drawing/2010/main">
+          <mc:Choice Requires="a14">
             <p:sp>
               <p:nvSpPr>
                 <p:cNvPr id="80" name="ZoneTexte 79"/>
@@ -5811,6 +5825,7 @@
                 </a:bodyPr>
                 <a:lstStyle/>
                 <a:p>
+                  <a:pPr/>
                   <a14:m>
                     <m:oMathPara xmlns:m="http://schemas.openxmlformats.org/officeDocument/2006/math">
                       <m:oMathParaPr>
@@ -5862,7 +5877,7 @@
               </p:txBody>
             </p:sp>
           </mc:Choice>
-          <mc:Fallback>
+          <mc:Fallback xmlns="">
             <p:sp>
               <p:nvSpPr>
                 <p:cNvPr id="80" name="ZoneTexte 79"/>
@@ -5901,8 +5916,8 @@
             </p:sp>
           </mc:Fallback>
         </mc:AlternateContent>
-        <mc:AlternateContent xmlns:mc="http://schemas.openxmlformats.org/markup-compatibility/2006">
-          <mc:Choice xmlns:a14="http://schemas.microsoft.com/office/drawing/2010/main" Requires="a14">
+        <mc:AlternateContent xmlns:mc="http://schemas.openxmlformats.org/markup-compatibility/2006" xmlns:a14="http://schemas.microsoft.com/office/drawing/2010/main">
+          <mc:Choice Requires="a14">
             <p:sp>
               <p:nvSpPr>
                 <p:cNvPr id="81" name="ZoneTexte 80"/>
@@ -5925,6 +5940,7 @@
                 </a:bodyPr>
                 <a:lstStyle/>
                 <a:p>
+                  <a:pPr/>
                   <a14:m>
                     <m:oMathPara xmlns:m="http://schemas.openxmlformats.org/officeDocument/2006/math">
                       <m:oMathParaPr>
@@ -5976,7 +5992,7 @@
               </p:txBody>
             </p:sp>
           </mc:Choice>
-          <mc:Fallback>
+          <mc:Fallback xmlns="">
             <p:sp>
               <p:nvSpPr>
                 <p:cNvPr id="81" name="ZoneTexte 80"/>
@@ -6493,8 +6509,8 @@
           </a:p>
         </p:txBody>
       </p:sp>
-      <mc:AlternateContent xmlns:mc="http://schemas.openxmlformats.org/markup-compatibility/2006">
-        <mc:Choice xmlns:a14="http://schemas.microsoft.com/office/drawing/2010/main" Requires="a14">
+      <mc:AlternateContent xmlns:mc="http://schemas.openxmlformats.org/markup-compatibility/2006" xmlns:a14="http://schemas.microsoft.com/office/drawing/2010/main">
+        <mc:Choice Requires="a14">
           <p:sp>
             <p:nvSpPr>
               <p:cNvPr id="28" name="Rectangle 27"/>
@@ -6599,7 +6615,7 @@
             </p:txBody>
           </p:sp>
         </mc:Choice>
-        <mc:Fallback>
+        <mc:Fallback xmlns="">
           <p:sp>
             <p:nvSpPr>
               <p:cNvPr id="28" name="Rectangle 27"/>
@@ -6677,8 +6693,8 @@
           </a:fontRef>
         </p:style>
       </p:cxnSp>
-      <mc:AlternateContent xmlns:mc="http://schemas.openxmlformats.org/markup-compatibility/2006">
-        <mc:Choice xmlns:a14="http://schemas.microsoft.com/office/drawing/2010/main" Requires="a14">
+      <mc:AlternateContent xmlns:mc="http://schemas.openxmlformats.org/markup-compatibility/2006" xmlns:a14="http://schemas.microsoft.com/office/drawing/2010/main">
+        <mc:Choice Requires="a14">
           <p:sp>
             <p:nvSpPr>
               <p:cNvPr id="30" name="Rectangle 29"/>
@@ -6758,7 +6774,7 @@
             </p:txBody>
           </p:sp>
         </mc:Choice>
-        <mc:Fallback>
+        <mc:Fallback xmlns="">
           <p:sp>
             <p:nvSpPr>
               <p:cNvPr id="30" name="Rectangle 29"/>
@@ -6836,8 +6852,8 @@
           </a:fontRef>
         </p:style>
       </p:cxnSp>
-      <mc:AlternateContent xmlns:mc="http://schemas.openxmlformats.org/markup-compatibility/2006">
-        <mc:Choice xmlns:a14="http://schemas.microsoft.com/office/drawing/2010/main" Requires="a14">
+      <mc:AlternateContent xmlns:mc="http://schemas.openxmlformats.org/markup-compatibility/2006" xmlns:a14="http://schemas.microsoft.com/office/drawing/2010/main">
+        <mc:Choice Requires="a14">
           <p:sp>
             <p:nvSpPr>
               <p:cNvPr id="32" name="Rectangle 31"/>
@@ -6942,7 +6958,7 @@
             </p:txBody>
           </p:sp>
         </mc:Choice>
-        <mc:Fallback>
+        <mc:Fallback xmlns="">
           <p:sp>
             <p:nvSpPr>
               <p:cNvPr id="32" name="Rectangle 31"/>
@@ -7092,8 +7108,8 @@
           </a:fontRef>
         </p:style>
       </p:cxnSp>
-      <mc:AlternateContent xmlns:mc="http://schemas.openxmlformats.org/markup-compatibility/2006">
-        <mc:Choice xmlns:a14="http://schemas.microsoft.com/office/drawing/2010/main" Requires="a14">
+      <mc:AlternateContent xmlns:mc="http://schemas.openxmlformats.org/markup-compatibility/2006" xmlns:a14="http://schemas.microsoft.com/office/drawing/2010/main">
+        <mc:Choice Requires="a14">
           <p:sp>
             <p:nvSpPr>
               <p:cNvPr id="36" name="ZoneTexte 35"/>
@@ -7116,6 +7132,7 @@
               </a:bodyPr>
               <a:lstStyle/>
               <a:p>
+                <a:pPr/>
                 <a14:m>
                   <m:oMathPara xmlns:m="http://schemas.openxmlformats.org/officeDocument/2006/math">
                     <m:oMathParaPr>
@@ -7155,7 +7172,7 @@
             </p:txBody>
           </p:sp>
         </mc:Choice>
-        <mc:Fallback>
+        <mc:Fallback xmlns="">
           <p:sp>
             <p:nvSpPr>
               <p:cNvPr id="36" name="ZoneTexte 35"/>
@@ -7194,8 +7211,8 @@
           </p:sp>
         </mc:Fallback>
       </mc:AlternateContent>
-      <mc:AlternateContent xmlns:mc="http://schemas.openxmlformats.org/markup-compatibility/2006">
-        <mc:Choice xmlns:a14="http://schemas.microsoft.com/office/drawing/2010/main" Requires="a14">
+      <mc:AlternateContent xmlns:mc="http://schemas.openxmlformats.org/markup-compatibility/2006" xmlns:a14="http://schemas.microsoft.com/office/drawing/2010/main">
+        <mc:Choice Requires="a14">
           <p:sp>
             <p:nvSpPr>
               <p:cNvPr id="37" name="ZoneTexte 36"/>
@@ -7218,6 +7235,7 @@
               </a:bodyPr>
               <a:lstStyle/>
               <a:p>
+                <a:pPr/>
                 <a14:m>
                   <m:oMathPara xmlns:m="http://schemas.openxmlformats.org/officeDocument/2006/math">
                     <m:oMathParaPr>
@@ -7257,7 +7275,7 @@
             </p:txBody>
           </p:sp>
         </mc:Choice>
-        <mc:Fallback>
+        <mc:Fallback xmlns="">
           <p:sp>
             <p:nvSpPr>
               <p:cNvPr id="37" name="ZoneTexte 36"/>
@@ -7296,8 +7314,8 @@
           </p:sp>
         </mc:Fallback>
       </mc:AlternateContent>
-      <mc:AlternateContent xmlns:mc="http://schemas.openxmlformats.org/markup-compatibility/2006">
-        <mc:Choice xmlns:a14="http://schemas.microsoft.com/office/drawing/2010/main" Requires="a14">
+      <mc:AlternateContent xmlns:mc="http://schemas.openxmlformats.org/markup-compatibility/2006" xmlns:a14="http://schemas.microsoft.com/office/drawing/2010/main">
+        <mc:Choice Requires="a14">
           <p:sp>
             <p:nvSpPr>
               <p:cNvPr id="38" name="ZoneTexte 37"/>
@@ -7320,6 +7338,7 @@
               </a:bodyPr>
               <a:lstStyle/>
               <a:p>
+                <a:pPr/>
                 <a14:m>
                   <m:oMathPara xmlns:m="http://schemas.openxmlformats.org/officeDocument/2006/math">
                     <m:oMathParaPr>
@@ -7362,7 +7381,7 @@
             </p:txBody>
           </p:sp>
         </mc:Choice>
-        <mc:Fallback>
+        <mc:Fallback xmlns="">
           <p:sp>
             <p:nvSpPr>
               <p:cNvPr id="38" name="ZoneTexte 37"/>
@@ -7401,8 +7420,8 @@
           </p:sp>
         </mc:Fallback>
       </mc:AlternateContent>
-      <mc:AlternateContent xmlns:mc="http://schemas.openxmlformats.org/markup-compatibility/2006">
-        <mc:Choice xmlns:a14="http://schemas.microsoft.com/office/drawing/2010/main" Requires="a14">
+      <mc:AlternateContent xmlns:mc="http://schemas.openxmlformats.org/markup-compatibility/2006" xmlns:a14="http://schemas.microsoft.com/office/drawing/2010/main">
+        <mc:Choice Requires="a14">
           <p:sp>
             <p:nvSpPr>
               <p:cNvPr id="39" name="ZoneTexte 38"/>
@@ -7425,6 +7444,7 @@
               </a:bodyPr>
               <a:lstStyle/>
               <a:p>
+                <a:pPr/>
                 <a14:m>
                   <m:oMathPara xmlns:m="http://schemas.openxmlformats.org/officeDocument/2006/math">
                     <m:oMathParaPr>
@@ -7467,7 +7487,7 @@
             </p:txBody>
           </p:sp>
         </mc:Choice>
-        <mc:Fallback>
+        <mc:Fallback xmlns="">
           <p:sp>
             <p:nvSpPr>
               <p:cNvPr id="39" name="ZoneTexte 38"/>
@@ -7600,6 +7620,142 @@
     <p:extLst>
       <p:ext uri="{BB962C8B-B14F-4D97-AF65-F5344CB8AC3E}">
         <p14:creationId xmlns:p14="http://schemas.microsoft.com/office/powerpoint/2010/main" val="1504428689"/>
+      </p:ext>
+    </p:extLst>
+  </p:cSld>
+  <p:clrMapOvr>
+    <a:masterClrMapping/>
+  </p:clrMapOvr>
+</p:sld>
+</file>
+
+<file path=ppt/slides/slide4.xml><?xml version="1.0" encoding="utf-8"?>
+<p:sld xmlns:a="http://schemas.openxmlformats.org/drawingml/2006/main" xmlns:r="http://schemas.openxmlformats.org/officeDocument/2006/relationships" xmlns:p="http://schemas.openxmlformats.org/presentationml/2006/main">
+  <p:cSld>
+    <p:spTree>
+      <p:nvGrpSpPr>
+        <p:cNvPr id="1" name=""/>
+        <p:cNvGrpSpPr/>
+        <p:nvPr/>
+      </p:nvGrpSpPr>
+      <p:grpSpPr>
+        <a:xfrm>
+          <a:off x="0" y="0"/>
+          <a:ext cx="0" cy="0"/>
+          <a:chOff x="0" y="0"/>
+          <a:chExt cx="0" cy="0"/>
+        </a:xfrm>
+      </p:grpSpPr>
+      <p:sp>
+        <p:nvSpPr>
+          <p:cNvPr id="4" name="Rectangle 3"/>
+          <p:cNvSpPr/>
+          <p:nvPr/>
+        </p:nvSpPr>
+        <p:spPr>
+          <a:xfrm>
+            <a:off x="4752024" y="2978940"/>
+            <a:ext cx="1890252" cy="810108"/>
+          </a:xfrm>
+          <a:prstGeom prst="rect">
+            <a:avLst/>
+          </a:prstGeom>
+        </p:spPr>
+        <p:style>
+          <a:lnRef idx="1">
+            <a:schemeClr val="accent2"/>
+          </a:lnRef>
+          <a:fillRef idx="2">
+            <a:schemeClr val="accent2"/>
+          </a:fillRef>
+          <a:effectRef idx="1">
+            <a:schemeClr val="accent2"/>
+          </a:effectRef>
+          <a:fontRef idx="minor">
+            <a:schemeClr val="dk1"/>
+          </a:fontRef>
+        </p:style>
+        <p:txBody>
+          <a:bodyPr rtlCol="0" anchor="b"/>
+          <a:lstStyle/>
+          <a:p>
+            <a:pPr algn="ctr"/>
+            <a:r>
+              <a:rPr lang="fr-FR" sz="1200" dirty="0" smtClean="0"/>
+              <a:t>Ensemble étudié</a:t>
+            </a:r>
+            <a:endParaRPr lang="fr-FR" sz="1200" dirty="0"/>
+          </a:p>
+        </p:txBody>
+      </p:sp>
+      <p:pic>
+        <p:nvPicPr>
+          <p:cNvPr id="1027" name="Picture 3"/>
+          <p:cNvPicPr>
+            <a:picLocks noChangeAspect="1" noChangeArrowheads="1"/>
+          </p:cNvPicPr>
+          <p:nvPr/>
+        </p:nvPicPr>
+        <p:blipFill>
+          <a:blip r:embed="rId2">
+            <a:extLst>
+              <a:ext uri="{28A0092B-C50C-407E-A947-70E740481C1C}">
+                <a14:useLocalDpi xmlns:a14="http://schemas.microsoft.com/office/drawing/2010/main" val="0"/>
+              </a:ext>
+            </a:extLst>
+          </a:blip>
+          <a:srcRect/>
+          <a:stretch>
+            <a:fillRect/>
+          </a:stretch>
+        </p:blipFill>
+        <p:spPr bwMode="auto">
+          <a:xfrm>
+            <a:off x="870288" y="1178700"/>
+            <a:ext cx="6000750" cy="3152775"/>
+          </a:xfrm>
+          <a:prstGeom prst="rect">
+            <a:avLst/>
+          </a:prstGeom>
+          <a:noFill/>
+          <a:ln>
+            <a:noFill/>
+          </a:ln>
+          <a:effectLst/>
+          <a:extLst>
+            <a:ext uri="{909E8E84-426E-40DD-AFC4-6F175D3DCCD1}">
+              <a14:hiddenFill xmlns:a14="http://schemas.microsoft.com/office/drawing/2010/main">
+                <a:solidFill>
+                  <a:schemeClr val="accent1"/>
+                </a:solidFill>
+              </a14:hiddenFill>
+            </a:ext>
+            <a:ext uri="{91240B29-F687-4F45-9708-019B960494DF}">
+              <a14:hiddenLine xmlns:a14="http://schemas.microsoft.com/office/drawing/2010/main" w="9525">
+                <a:solidFill>
+                  <a:schemeClr val="tx1"/>
+                </a:solidFill>
+                <a:miter lim="800000"/>
+                <a:headEnd/>
+                <a:tailEnd/>
+              </a14:hiddenLine>
+            </a:ext>
+            <a:ext uri="{AF507438-7753-43E0-B8FC-AC1667EBCBE1}">
+              <a14:hiddenEffects xmlns:a14="http://schemas.microsoft.com/office/drawing/2010/main">
+                <a:effectLst>
+                  <a:outerShdw dist="35921" dir="2700000" algn="ctr" rotWithShape="0">
+                    <a:schemeClr val="bg2"/>
+                  </a:outerShdw>
+                </a:effectLst>
+              </a14:hiddenEffects>
+            </a:ext>
+          </a:extLst>
+        </p:spPr>
+      </p:pic>
+    </p:spTree>
+    <p:extLst>
+      <p:ext uri="{BB962C8B-B14F-4D97-AF65-F5344CB8AC3E}">
+        <p14:creationId xmlns:p14="http://schemas.microsoft.com/office/powerpoint/2010/main" val="438387973"/>
       </p:ext>
     </p:extLst>
   </p:cSld>

--- a/04_ChainesFermees/TD_01_LoisES_ProtheseTranstibiale/images/Figures.pptx
+++ b/04_ChainesFermees/TD_01_LoisES_ProtheseTranstibiale/images/Figures.pptx
@@ -8,7 +8,9 @@
     <p:sldId id="256" r:id="rId2"/>
     <p:sldId id="257" r:id="rId3"/>
     <p:sldId id="258" r:id="rId4"/>
-    <p:sldId id="259" r:id="rId5"/>
+    <p:sldId id="260" r:id="rId5"/>
+    <p:sldId id="261" r:id="rId6"/>
+    <p:sldId id="259" r:id="rId7"/>
   </p:sldIdLst>
   <p:sldSz cx="9144000" cy="6858000" type="screen4x3"/>
   <p:notesSz cx="6858000" cy="9144000"/>
@@ -291,7 +293,7 @@
           <a:p>
             <a:fld id="{AA309A6D-C09C-4548-B29A-6CF363A7E532}" type="datetimeFigureOut">
               <a:rPr lang="fr-FR" smtClean="0"/>
-              <a:t>18/11/2014</a:t>
+              <a:t>21/06/2015</a:t>
             </a:fld>
             <a:endParaRPr lang="fr-BE"/>
           </a:p>
@@ -456,7 +458,7 @@
           <a:p>
             <a:fld id="{AA309A6D-C09C-4548-B29A-6CF363A7E532}" type="datetimeFigureOut">
               <a:rPr lang="fr-FR" smtClean="0"/>
-              <a:t>18/11/2014</a:t>
+              <a:t>21/06/2015</a:t>
             </a:fld>
             <a:endParaRPr lang="fr-BE"/>
           </a:p>
@@ -631,7 +633,7 @@
           <a:p>
             <a:fld id="{AA309A6D-C09C-4548-B29A-6CF363A7E532}" type="datetimeFigureOut">
               <a:rPr lang="fr-FR" smtClean="0"/>
-              <a:t>18/11/2014</a:t>
+              <a:t>21/06/2015</a:t>
             </a:fld>
             <a:endParaRPr lang="fr-BE"/>
           </a:p>
@@ -796,7 +798,7 @@
           <a:p>
             <a:fld id="{AA309A6D-C09C-4548-B29A-6CF363A7E532}" type="datetimeFigureOut">
               <a:rPr lang="fr-FR" smtClean="0"/>
-              <a:t>18/11/2014</a:t>
+              <a:t>21/06/2015</a:t>
             </a:fld>
             <a:endParaRPr lang="fr-BE"/>
           </a:p>
@@ -1037,7 +1039,7 @@
           <a:p>
             <a:fld id="{AA309A6D-C09C-4548-B29A-6CF363A7E532}" type="datetimeFigureOut">
               <a:rPr lang="fr-FR" smtClean="0"/>
-              <a:t>18/11/2014</a:t>
+              <a:t>21/06/2015</a:t>
             </a:fld>
             <a:endParaRPr lang="fr-BE"/>
           </a:p>
@@ -1320,7 +1322,7 @@
           <a:p>
             <a:fld id="{AA309A6D-C09C-4548-B29A-6CF363A7E532}" type="datetimeFigureOut">
               <a:rPr lang="fr-FR" smtClean="0"/>
-              <a:t>18/11/2014</a:t>
+              <a:t>21/06/2015</a:t>
             </a:fld>
             <a:endParaRPr lang="fr-BE"/>
           </a:p>
@@ -1737,7 +1739,7 @@
           <a:p>
             <a:fld id="{AA309A6D-C09C-4548-B29A-6CF363A7E532}" type="datetimeFigureOut">
               <a:rPr lang="fr-FR" smtClean="0"/>
-              <a:t>18/11/2014</a:t>
+              <a:t>21/06/2015</a:t>
             </a:fld>
             <a:endParaRPr lang="fr-BE"/>
           </a:p>
@@ -1850,7 +1852,7 @@
           <a:p>
             <a:fld id="{AA309A6D-C09C-4548-B29A-6CF363A7E532}" type="datetimeFigureOut">
               <a:rPr lang="fr-FR" smtClean="0"/>
-              <a:t>18/11/2014</a:t>
+              <a:t>21/06/2015</a:t>
             </a:fld>
             <a:endParaRPr lang="fr-BE"/>
           </a:p>
@@ -1940,7 +1942,7 @@
           <a:p>
             <a:fld id="{AA309A6D-C09C-4548-B29A-6CF363A7E532}" type="datetimeFigureOut">
               <a:rPr lang="fr-FR" smtClean="0"/>
-              <a:t>18/11/2014</a:t>
+              <a:t>21/06/2015</a:t>
             </a:fld>
             <a:endParaRPr lang="fr-BE"/>
           </a:p>
@@ -2212,7 +2214,7 @@
           <a:p>
             <a:fld id="{AA309A6D-C09C-4548-B29A-6CF363A7E532}" type="datetimeFigureOut">
               <a:rPr lang="fr-FR" smtClean="0"/>
-              <a:t>18/11/2014</a:t>
+              <a:t>21/06/2015</a:t>
             </a:fld>
             <a:endParaRPr lang="fr-BE"/>
           </a:p>
@@ -2460,7 +2462,7 @@
           <a:p>
             <a:fld id="{AA309A6D-C09C-4548-B29A-6CF363A7E532}" type="datetimeFigureOut">
               <a:rPr lang="fr-FR" smtClean="0"/>
-              <a:t>18/11/2014</a:t>
+              <a:t>21/06/2015</a:t>
             </a:fld>
             <a:endParaRPr lang="fr-BE"/>
           </a:p>
@@ -2668,7 +2670,7 @@
           <a:p>
             <a:fld id="{AA309A6D-C09C-4548-B29A-6CF363A7E532}" type="datetimeFigureOut">
               <a:rPr lang="fr-FR" smtClean="0"/>
-              <a:t>18/11/2014</a:t>
+              <a:t>21/06/2015</a:t>
             </a:fld>
             <a:endParaRPr lang="fr-BE"/>
           </a:p>
@@ -7646,6 +7648,4299 @@
           <a:chExt cx="0" cy="0"/>
         </a:xfrm>
       </p:grpSpPr>
+      <p:grpSp>
+        <p:nvGrpSpPr>
+          <p:cNvPr id="70" name="Groupe 69"/>
+          <p:cNvGrpSpPr/>
+          <p:nvPr/>
+        </p:nvGrpSpPr>
+        <p:grpSpPr>
+          <a:xfrm>
+            <a:off x="2201842" y="3034125"/>
+            <a:ext cx="753039" cy="300385"/>
+            <a:chOff x="3549170" y="3698195"/>
+            <a:chExt cx="359452" cy="143384"/>
+          </a:xfrm>
+        </p:grpSpPr>
+        <p:cxnSp>
+          <p:nvCxnSpPr>
+            <p:cNvPr id="125" name="Connecteur droit 124"/>
+            <p:cNvCxnSpPr/>
+            <p:nvPr/>
+          </p:nvCxnSpPr>
+          <p:spPr>
+            <a:xfrm>
+              <a:off x="3562960" y="3700866"/>
+              <a:ext cx="342616" cy="91803"/>
+            </a:xfrm>
+            <a:prstGeom prst="line">
+              <a:avLst/>
+            </a:prstGeom>
+            <a:noFill/>
+            <a:ln w="28575">
+              <a:solidFill>
+                <a:srgbClr val="0070C0"/>
+              </a:solidFill>
+            </a:ln>
+          </p:spPr>
+          <p:style>
+            <a:lnRef idx="2">
+              <a:schemeClr val="accent1">
+                <a:shade val="50000"/>
+              </a:schemeClr>
+            </a:lnRef>
+            <a:fillRef idx="1">
+              <a:schemeClr val="accent1"/>
+            </a:fillRef>
+            <a:effectRef idx="0">
+              <a:schemeClr val="accent1"/>
+            </a:effectRef>
+            <a:fontRef idx="minor">
+              <a:schemeClr val="lt1"/>
+            </a:fontRef>
+          </p:style>
+        </p:cxnSp>
+        <p:cxnSp>
+          <p:nvCxnSpPr>
+            <p:cNvPr id="126" name="Connecteur droit 125"/>
+            <p:cNvCxnSpPr/>
+            <p:nvPr/>
+          </p:nvCxnSpPr>
+          <p:spPr>
+            <a:xfrm flipV="1">
+              <a:off x="3894832" y="3790114"/>
+              <a:ext cx="13790" cy="51465"/>
+            </a:xfrm>
+            <a:prstGeom prst="line">
+              <a:avLst/>
+            </a:prstGeom>
+            <a:noFill/>
+            <a:ln w="28575">
+              <a:solidFill>
+                <a:srgbClr val="0070C0"/>
+              </a:solidFill>
+            </a:ln>
+          </p:spPr>
+          <p:style>
+            <a:lnRef idx="2">
+              <a:schemeClr val="accent1">
+                <a:shade val="50000"/>
+              </a:schemeClr>
+            </a:lnRef>
+            <a:fillRef idx="1">
+              <a:schemeClr val="accent1"/>
+            </a:fillRef>
+            <a:effectRef idx="0">
+              <a:schemeClr val="accent1"/>
+            </a:effectRef>
+            <a:fontRef idx="minor">
+              <a:schemeClr val="lt1"/>
+            </a:fontRef>
+          </p:style>
+        </p:cxnSp>
+        <p:cxnSp>
+          <p:nvCxnSpPr>
+            <p:cNvPr id="127" name="Connecteur droit 126"/>
+            <p:cNvCxnSpPr/>
+            <p:nvPr/>
+          </p:nvCxnSpPr>
+          <p:spPr>
+            <a:xfrm flipV="1">
+              <a:off x="3549170" y="3698195"/>
+              <a:ext cx="13790" cy="48572"/>
+            </a:xfrm>
+            <a:prstGeom prst="line">
+              <a:avLst/>
+            </a:prstGeom>
+            <a:noFill/>
+            <a:ln w="28575">
+              <a:solidFill>
+                <a:srgbClr val="0070C0"/>
+              </a:solidFill>
+            </a:ln>
+          </p:spPr>
+          <p:style>
+            <a:lnRef idx="2">
+              <a:schemeClr val="accent1">
+                <a:shade val="50000"/>
+              </a:schemeClr>
+            </a:lnRef>
+            <a:fillRef idx="1">
+              <a:schemeClr val="accent1"/>
+            </a:fillRef>
+            <a:effectRef idx="0">
+              <a:schemeClr val="accent1"/>
+            </a:effectRef>
+            <a:fontRef idx="minor">
+              <a:schemeClr val="lt1"/>
+            </a:fontRef>
+          </p:style>
+        </p:cxnSp>
+      </p:grpSp>
+      <p:cxnSp>
+        <p:nvCxnSpPr>
+          <p:cNvPr id="23" name="Connecteur droit 22"/>
+          <p:cNvCxnSpPr/>
+          <p:nvPr/>
+        </p:nvCxnSpPr>
+        <p:spPr>
+          <a:xfrm flipV="1">
+            <a:off x="3636458" y="1747601"/>
+            <a:ext cx="443879" cy="1656576"/>
+          </a:xfrm>
+          <a:prstGeom prst="line">
+            <a:avLst/>
+          </a:prstGeom>
+          <a:noFill/>
+          <a:ln w="28575">
+            <a:solidFill>
+              <a:srgbClr val="00B050"/>
+            </a:solidFill>
+          </a:ln>
+        </p:spPr>
+        <p:style>
+          <a:lnRef idx="2">
+            <a:schemeClr val="accent1">
+              <a:shade val="50000"/>
+            </a:schemeClr>
+          </a:lnRef>
+          <a:fillRef idx="1">
+            <a:schemeClr val="accent1"/>
+          </a:fillRef>
+          <a:effectRef idx="0">
+            <a:schemeClr val="accent1"/>
+          </a:effectRef>
+          <a:fontRef idx="minor">
+            <a:schemeClr val="lt1"/>
+          </a:fontRef>
+        </p:style>
+      </p:cxnSp>
+      <p:cxnSp>
+        <p:nvCxnSpPr>
+          <p:cNvPr id="28" name="Connecteur droit 27"/>
+          <p:cNvCxnSpPr>
+            <a:endCxn id="107" idx="2"/>
+          </p:cNvCxnSpPr>
+          <p:nvPr/>
+        </p:nvCxnSpPr>
+        <p:spPr>
+          <a:xfrm flipV="1">
+            <a:off x="2183041" y="3669447"/>
+            <a:ext cx="270141" cy="1019721"/>
+          </a:xfrm>
+          <a:prstGeom prst="line">
+            <a:avLst/>
+          </a:prstGeom>
+          <a:noFill/>
+          <a:ln w="28575">
+            <a:solidFill>
+              <a:srgbClr val="FF0000"/>
+            </a:solidFill>
+          </a:ln>
+        </p:spPr>
+        <p:style>
+          <a:lnRef idx="2">
+            <a:schemeClr val="accent1">
+              <a:shade val="50000"/>
+            </a:schemeClr>
+          </a:lnRef>
+          <a:fillRef idx="1">
+            <a:schemeClr val="accent1"/>
+          </a:fillRef>
+          <a:effectRef idx="0">
+            <a:schemeClr val="accent1"/>
+          </a:effectRef>
+          <a:fontRef idx="minor">
+            <a:schemeClr val="lt1"/>
+          </a:fontRef>
+        </p:style>
+      </p:cxnSp>
+      <p:cxnSp>
+        <p:nvCxnSpPr>
+          <p:cNvPr id="30" name="Connecteur droit 29"/>
+          <p:cNvCxnSpPr/>
+          <p:nvPr/>
+        </p:nvCxnSpPr>
+        <p:spPr>
+          <a:xfrm>
+            <a:off x="1537499" y="3841578"/>
+            <a:ext cx="716018" cy="212976"/>
+          </a:xfrm>
+          <a:prstGeom prst="line">
+            <a:avLst/>
+          </a:prstGeom>
+          <a:noFill/>
+          <a:ln w="28575">
+            <a:solidFill>
+              <a:schemeClr val="accent4"/>
+            </a:solidFill>
+          </a:ln>
+        </p:spPr>
+        <p:style>
+          <a:lnRef idx="2">
+            <a:schemeClr val="accent1">
+              <a:shade val="50000"/>
+            </a:schemeClr>
+          </a:lnRef>
+          <a:fillRef idx="1">
+            <a:schemeClr val="accent1"/>
+          </a:fillRef>
+          <a:effectRef idx="0">
+            <a:schemeClr val="accent1"/>
+          </a:effectRef>
+          <a:fontRef idx="minor">
+            <a:schemeClr val="lt1"/>
+          </a:fontRef>
+        </p:style>
+      </p:cxnSp>
+      <p:cxnSp>
+        <p:nvCxnSpPr>
+          <p:cNvPr id="40" name="Connecteur droit 39"/>
+          <p:cNvCxnSpPr/>
+          <p:nvPr/>
+        </p:nvCxnSpPr>
+        <p:spPr>
+          <a:xfrm flipV="1">
+            <a:off x="1537499" y="1946576"/>
+            <a:ext cx="510768" cy="1906215"/>
+          </a:xfrm>
+          <a:prstGeom prst="line">
+            <a:avLst/>
+          </a:prstGeom>
+          <a:noFill/>
+          <a:ln w="28575">
+            <a:solidFill>
+              <a:schemeClr val="accent4"/>
+            </a:solidFill>
+          </a:ln>
+        </p:spPr>
+        <p:style>
+          <a:lnRef idx="2">
+            <a:schemeClr val="accent1">
+              <a:shade val="50000"/>
+            </a:schemeClr>
+          </a:lnRef>
+          <a:fillRef idx="1">
+            <a:schemeClr val="accent1"/>
+          </a:fillRef>
+          <a:effectRef idx="0">
+            <a:schemeClr val="accent1"/>
+          </a:effectRef>
+          <a:fontRef idx="minor">
+            <a:schemeClr val="lt1"/>
+          </a:fontRef>
+        </p:style>
+      </p:cxnSp>
+      <p:cxnSp>
+        <p:nvCxnSpPr>
+          <p:cNvPr id="42" name="Connecteur droit 41"/>
+          <p:cNvCxnSpPr>
+            <a:endCxn id="155" idx="1"/>
+          </p:cNvCxnSpPr>
+          <p:nvPr/>
+        </p:nvCxnSpPr>
+        <p:spPr>
+          <a:xfrm>
+            <a:off x="2951784" y="1832996"/>
+            <a:ext cx="925847" cy="270972"/>
+          </a:xfrm>
+          <a:prstGeom prst="line">
+            <a:avLst/>
+          </a:prstGeom>
+          <a:noFill/>
+          <a:ln w="28575">
+            <a:solidFill>
+              <a:schemeClr val="accent4"/>
+            </a:solidFill>
+          </a:ln>
+        </p:spPr>
+        <p:style>
+          <a:lnRef idx="2">
+            <a:schemeClr val="accent1">
+              <a:shade val="50000"/>
+            </a:schemeClr>
+          </a:lnRef>
+          <a:fillRef idx="1">
+            <a:schemeClr val="accent1"/>
+          </a:fillRef>
+          <a:effectRef idx="0">
+            <a:schemeClr val="accent1"/>
+          </a:effectRef>
+          <a:fontRef idx="minor">
+            <a:schemeClr val="lt1"/>
+          </a:fontRef>
+        </p:style>
+      </p:cxnSp>
+      <p:cxnSp>
+        <p:nvCxnSpPr>
+          <p:cNvPr id="48" name="Connecteur droit 47"/>
+          <p:cNvCxnSpPr/>
+          <p:nvPr/>
+        </p:nvCxnSpPr>
+        <p:spPr>
+          <a:xfrm flipH="1">
+            <a:off x="2663052" y="1281413"/>
+            <a:ext cx="468760" cy="1575941"/>
+          </a:xfrm>
+          <a:prstGeom prst="line">
+            <a:avLst/>
+          </a:prstGeom>
+          <a:noFill/>
+          <a:ln w="28575">
+            <a:solidFill>
+              <a:schemeClr val="accent4"/>
+            </a:solidFill>
+          </a:ln>
+        </p:spPr>
+        <p:style>
+          <a:lnRef idx="2">
+            <a:schemeClr val="accent1">
+              <a:shade val="50000"/>
+            </a:schemeClr>
+          </a:lnRef>
+          <a:fillRef idx="1">
+            <a:schemeClr val="accent1"/>
+          </a:fillRef>
+          <a:effectRef idx="0">
+            <a:schemeClr val="accent1"/>
+          </a:effectRef>
+          <a:fontRef idx="minor">
+            <a:schemeClr val="lt1"/>
+          </a:fontRef>
+        </p:style>
+      </p:cxnSp>
+      <p:cxnSp>
+        <p:nvCxnSpPr>
+          <p:cNvPr id="51" name="Connecteur droit 50"/>
+          <p:cNvCxnSpPr/>
+          <p:nvPr/>
+        </p:nvCxnSpPr>
+        <p:spPr>
+          <a:xfrm flipH="1" flipV="1">
+            <a:off x="3097436" y="953670"/>
+            <a:ext cx="288" cy="270036"/>
+          </a:xfrm>
+          <a:prstGeom prst="line">
+            <a:avLst/>
+          </a:prstGeom>
+          <a:solidFill>
+            <a:schemeClr val="bg1"/>
+          </a:solidFill>
+          <a:ln w="28575">
+            <a:solidFill>
+              <a:schemeClr val="tx1"/>
+            </a:solidFill>
+          </a:ln>
+        </p:spPr>
+        <p:style>
+          <a:lnRef idx="2">
+            <a:schemeClr val="accent1">
+              <a:shade val="50000"/>
+            </a:schemeClr>
+          </a:lnRef>
+          <a:fillRef idx="1">
+            <a:schemeClr val="accent1"/>
+          </a:fillRef>
+          <a:effectRef idx="0">
+            <a:schemeClr val="accent1"/>
+          </a:effectRef>
+          <a:fontRef idx="minor">
+            <a:schemeClr val="lt1"/>
+          </a:fontRef>
+        </p:style>
+      </p:cxnSp>
+      <p:cxnSp>
+        <p:nvCxnSpPr>
+          <p:cNvPr id="54" name="Connecteur droit 53"/>
+          <p:cNvCxnSpPr/>
+          <p:nvPr/>
+        </p:nvCxnSpPr>
+        <p:spPr>
+          <a:xfrm>
+            <a:off x="2694821" y="953670"/>
+            <a:ext cx="402903" cy="0"/>
+          </a:xfrm>
+          <a:prstGeom prst="line">
+            <a:avLst/>
+          </a:prstGeom>
+          <a:solidFill>
+            <a:schemeClr val="bg1"/>
+          </a:solidFill>
+          <a:ln w="28575">
+            <a:solidFill>
+              <a:schemeClr val="tx1"/>
+            </a:solidFill>
+          </a:ln>
+        </p:spPr>
+        <p:style>
+          <a:lnRef idx="2">
+            <a:schemeClr val="accent1">
+              <a:shade val="50000"/>
+            </a:schemeClr>
+          </a:lnRef>
+          <a:fillRef idx="1">
+            <a:schemeClr val="accent1"/>
+          </a:fillRef>
+          <a:effectRef idx="0">
+            <a:schemeClr val="accent1"/>
+          </a:effectRef>
+          <a:fontRef idx="minor">
+            <a:schemeClr val="lt1"/>
+          </a:fontRef>
+        </p:style>
+      </p:cxnSp>
+      <p:cxnSp>
+        <p:nvCxnSpPr>
+          <p:cNvPr id="60" name="Connecteur droit 59"/>
+          <p:cNvCxnSpPr/>
+          <p:nvPr/>
+        </p:nvCxnSpPr>
+        <p:spPr>
+          <a:xfrm>
+            <a:off x="2048267" y="1941342"/>
+            <a:ext cx="813505" cy="247925"/>
+          </a:xfrm>
+          <a:prstGeom prst="line">
+            <a:avLst/>
+          </a:prstGeom>
+          <a:noFill/>
+          <a:ln w="28575">
+            <a:solidFill>
+              <a:schemeClr val="accent4"/>
+            </a:solidFill>
+          </a:ln>
+        </p:spPr>
+        <p:style>
+          <a:lnRef idx="2">
+            <a:schemeClr val="accent1">
+              <a:shade val="50000"/>
+            </a:schemeClr>
+          </a:lnRef>
+          <a:fillRef idx="1">
+            <a:schemeClr val="accent1"/>
+          </a:fillRef>
+          <a:effectRef idx="0">
+            <a:schemeClr val="accent1"/>
+          </a:effectRef>
+          <a:fontRef idx="minor">
+            <a:schemeClr val="lt1"/>
+          </a:fontRef>
+        </p:style>
+      </p:cxnSp>
+      <p:cxnSp>
+        <p:nvCxnSpPr>
+          <p:cNvPr id="76" name="Connecteur droit 75"/>
+          <p:cNvCxnSpPr/>
+          <p:nvPr/>
+        </p:nvCxnSpPr>
+        <p:spPr>
+          <a:xfrm>
+            <a:off x="3814211" y="2337428"/>
+            <a:ext cx="200826" cy="53811"/>
+          </a:xfrm>
+          <a:prstGeom prst="line">
+            <a:avLst/>
+          </a:prstGeom>
+          <a:noFill/>
+          <a:ln w="28575">
+            <a:solidFill>
+              <a:srgbClr val="00B050"/>
+            </a:solidFill>
+          </a:ln>
+        </p:spPr>
+        <p:style>
+          <a:lnRef idx="2">
+            <a:schemeClr val="accent1">
+              <a:shade val="50000"/>
+            </a:schemeClr>
+          </a:lnRef>
+          <a:fillRef idx="1">
+            <a:schemeClr val="accent1"/>
+          </a:fillRef>
+          <a:effectRef idx="0">
+            <a:schemeClr val="accent1"/>
+          </a:effectRef>
+          <a:fontRef idx="minor">
+            <a:schemeClr val="lt1"/>
+          </a:fontRef>
+        </p:style>
+      </p:cxnSp>
+      <p:grpSp>
+        <p:nvGrpSpPr>
+          <p:cNvPr id="74" name="Groupe 73"/>
+          <p:cNvGrpSpPr/>
+          <p:nvPr/>
+        </p:nvGrpSpPr>
+        <p:grpSpPr>
+          <a:xfrm>
+            <a:off x="3422377" y="3355178"/>
+            <a:ext cx="369747" cy="203313"/>
+            <a:chOff x="3386475" y="3537338"/>
+            <a:chExt cx="369747" cy="203313"/>
+          </a:xfrm>
+        </p:grpSpPr>
+        <p:cxnSp>
+          <p:nvCxnSpPr>
+            <p:cNvPr id="79" name="Connecteur droit 78"/>
+            <p:cNvCxnSpPr/>
+            <p:nvPr/>
+          </p:nvCxnSpPr>
+          <p:spPr>
+            <a:xfrm>
+              <a:off x="3410560" y="3548466"/>
+              <a:ext cx="342616" cy="91803"/>
+            </a:xfrm>
+            <a:prstGeom prst="line">
+              <a:avLst/>
+            </a:prstGeom>
+            <a:noFill/>
+            <a:ln w="28575">
+              <a:solidFill>
+                <a:srgbClr val="00B050"/>
+              </a:solidFill>
+            </a:ln>
+          </p:spPr>
+          <p:style>
+            <a:lnRef idx="2">
+              <a:schemeClr val="accent1">
+                <a:shade val="50000"/>
+              </a:schemeClr>
+            </a:lnRef>
+            <a:fillRef idx="1">
+              <a:schemeClr val="accent1"/>
+            </a:fillRef>
+            <a:effectRef idx="0">
+              <a:schemeClr val="accent1"/>
+            </a:effectRef>
+            <a:fontRef idx="minor">
+              <a:schemeClr val="lt1"/>
+            </a:fontRef>
+          </p:style>
+        </p:cxnSp>
+        <p:cxnSp>
+          <p:nvCxnSpPr>
+            <p:cNvPr id="85" name="Connecteur droit 84"/>
+            <p:cNvCxnSpPr/>
+            <p:nvPr/>
+          </p:nvCxnSpPr>
+          <p:spPr>
+            <a:xfrm flipV="1">
+              <a:off x="3728643" y="3637720"/>
+              <a:ext cx="27579" cy="102931"/>
+            </a:xfrm>
+            <a:prstGeom prst="line">
+              <a:avLst/>
+            </a:prstGeom>
+            <a:noFill/>
+            <a:ln w="28575">
+              <a:solidFill>
+                <a:srgbClr val="00B050"/>
+              </a:solidFill>
+            </a:ln>
+          </p:spPr>
+          <p:style>
+            <a:lnRef idx="2">
+              <a:schemeClr val="accent1">
+                <a:shade val="50000"/>
+              </a:schemeClr>
+            </a:lnRef>
+            <a:fillRef idx="1">
+              <a:schemeClr val="accent1"/>
+            </a:fillRef>
+            <a:effectRef idx="0">
+              <a:schemeClr val="accent1"/>
+            </a:effectRef>
+            <a:fontRef idx="minor">
+              <a:schemeClr val="lt1"/>
+            </a:fontRef>
+          </p:style>
+        </p:cxnSp>
+        <p:cxnSp>
+          <p:nvCxnSpPr>
+            <p:cNvPr id="87" name="Connecteur droit 86"/>
+            <p:cNvCxnSpPr/>
+            <p:nvPr/>
+          </p:nvCxnSpPr>
+          <p:spPr>
+            <a:xfrm flipV="1">
+              <a:off x="3386475" y="3537338"/>
+              <a:ext cx="27579" cy="102931"/>
+            </a:xfrm>
+            <a:prstGeom prst="line">
+              <a:avLst/>
+            </a:prstGeom>
+            <a:noFill/>
+            <a:ln w="28575">
+              <a:solidFill>
+                <a:srgbClr val="00B050"/>
+              </a:solidFill>
+            </a:ln>
+          </p:spPr>
+          <p:style>
+            <a:lnRef idx="2">
+              <a:schemeClr val="accent1">
+                <a:shade val="50000"/>
+              </a:schemeClr>
+            </a:lnRef>
+            <a:fillRef idx="1">
+              <a:schemeClr val="accent1"/>
+            </a:fillRef>
+            <a:effectRef idx="0">
+              <a:schemeClr val="accent1"/>
+            </a:effectRef>
+            <a:fontRef idx="minor">
+              <a:schemeClr val="lt1"/>
+            </a:fontRef>
+          </p:style>
+        </p:cxnSp>
+      </p:grpSp>
+      <p:sp>
+        <p:nvSpPr>
+          <p:cNvPr id="89" name="Rectangle 88"/>
+          <p:cNvSpPr/>
+          <p:nvPr/>
+        </p:nvSpPr>
+        <p:spPr>
+          <a:xfrm rot="900000">
+            <a:off x="2665962" y="2297629"/>
+            <a:ext cx="202694" cy="405386"/>
+          </a:xfrm>
+          <a:prstGeom prst="rect">
+            <a:avLst/>
+          </a:prstGeom>
+          <a:noFill/>
+          <a:ln w="28575">
+            <a:solidFill>
+              <a:srgbClr val="0070C0"/>
+            </a:solidFill>
+          </a:ln>
+        </p:spPr>
+        <p:style>
+          <a:lnRef idx="2">
+            <a:schemeClr val="accent1">
+              <a:shade val="50000"/>
+            </a:schemeClr>
+          </a:lnRef>
+          <a:fillRef idx="1">
+            <a:schemeClr val="accent1"/>
+          </a:fillRef>
+          <a:effectRef idx="0">
+            <a:schemeClr val="accent1"/>
+          </a:effectRef>
+          <a:fontRef idx="minor">
+            <a:schemeClr val="lt1"/>
+          </a:fontRef>
+        </p:style>
+        <p:txBody>
+          <a:bodyPr rtlCol="0" anchor="ctr"/>
+          <a:lstStyle/>
+          <a:p>
+            <a:pPr algn="ctr"/>
+            <a:endParaRPr lang="fr-FR" dirty="0"/>
+          </a:p>
+        </p:txBody>
+      </p:sp>
+      <p:cxnSp>
+        <p:nvCxnSpPr>
+          <p:cNvPr id="97" name="Connecteur droit 96"/>
+          <p:cNvCxnSpPr/>
+          <p:nvPr/>
+        </p:nvCxnSpPr>
+        <p:spPr>
+          <a:xfrm>
+            <a:off x="2609168" y="2722339"/>
+            <a:ext cx="171306" cy="45901"/>
+          </a:xfrm>
+          <a:prstGeom prst="line">
+            <a:avLst/>
+          </a:prstGeom>
+          <a:noFill/>
+          <a:ln w="28575">
+            <a:solidFill>
+              <a:srgbClr val="0070C0"/>
+            </a:solidFill>
+          </a:ln>
+        </p:spPr>
+        <p:style>
+          <a:lnRef idx="2">
+            <a:schemeClr val="accent1">
+              <a:shade val="50000"/>
+            </a:schemeClr>
+          </a:lnRef>
+          <a:fillRef idx="1">
+            <a:schemeClr val="accent1"/>
+          </a:fillRef>
+          <a:effectRef idx="0">
+            <a:schemeClr val="accent1"/>
+          </a:effectRef>
+          <a:fontRef idx="minor">
+            <a:schemeClr val="lt1"/>
+          </a:fontRef>
+        </p:style>
+      </p:cxnSp>
+      <p:cxnSp>
+        <p:nvCxnSpPr>
+          <p:cNvPr id="100" name="Connecteur droit 99"/>
+          <p:cNvCxnSpPr/>
+          <p:nvPr/>
+        </p:nvCxnSpPr>
+        <p:spPr>
+          <a:xfrm>
+            <a:off x="2746358" y="2239247"/>
+            <a:ext cx="171306" cy="45901"/>
+          </a:xfrm>
+          <a:prstGeom prst="line">
+            <a:avLst/>
+          </a:prstGeom>
+          <a:noFill/>
+          <a:ln w="28575">
+            <a:solidFill>
+              <a:srgbClr val="0070C0"/>
+            </a:solidFill>
+          </a:ln>
+        </p:spPr>
+        <p:style>
+          <a:lnRef idx="2">
+            <a:schemeClr val="accent1">
+              <a:shade val="50000"/>
+            </a:schemeClr>
+          </a:lnRef>
+          <a:fillRef idx="1">
+            <a:schemeClr val="accent1"/>
+          </a:fillRef>
+          <a:effectRef idx="0">
+            <a:schemeClr val="accent1"/>
+          </a:effectRef>
+          <a:fontRef idx="minor">
+            <a:schemeClr val="lt1"/>
+          </a:fontRef>
+        </p:style>
+      </p:cxnSp>
+      <p:sp>
+        <p:nvSpPr>
+          <p:cNvPr id="101" name="Rectangle 100"/>
+          <p:cNvSpPr/>
+          <p:nvPr/>
+        </p:nvSpPr>
+        <p:spPr>
+          <a:xfrm rot="900000">
+            <a:off x="2250850" y="3872115"/>
+            <a:ext cx="202694" cy="405386"/>
+          </a:xfrm>
+          <a:prstGeom prst="rect">
+            <a:avLst/>
+          </a:prstGeom>
+          <a:solidFill>
+            <a:schemeClr val="bg1"/>
+          </a:solidFill>
+          <a:ln w="28575">
+            <a:solidFill>
+              <a:schemeClr val="accent4"/>
+            </a:solidFill>
+          </a:ln>
+        </p:spPr>
+        <p:style>
+          <a:lnRef idx="2">
+            <a:schemeClr val="accent1">
+              <a:shade val="50000"/>
+            </a:schemeClr>
+          </a:lnRef>
+          <a:fillRef idx="1">
+            <a:schemeClr val="accent1"/>
+          </a:fillRef>
+          <a:effectRef idx="0">
+            <a:schemeClr val="accent1"/>
+          </a:effectRef>
+          <a:fontRef idx="minor">
+            <a:schemeClr val="lt1"/>
+          </a:fontRef>
+        </p:style>
+        <p:txBody>
+          <a:bodyPr rtlCol="0" anchor="ctr"/>
+          <a:lstStyle/>
+          <a:p>
+            <a:pPr algn="ctr"/>
+            <a:endParaRPr lang="fr-FR" dirty="0"/>
+          </a:p>
+        </p:txBody>
+      </p:sp>
+      <p:sp>
+        <p:nvSpPr>
+          <p:cNvPr id="107" name="Rectangle 106"/>
+          <p:cNvSpPr/>
+          <p:nvPr/>
+        </p:nvSpPr>
+        <p:spPr>
+          <a:xfrm rot="900000">
+            <a:off x="2407823" y="3244174"/>
+            <a:ext cx="202694" cy="432644"/>
+          </a:xfrm>
+          <a:prstGeom prst="rect">
+            <a:avLst/>
+          </a:prstGeom>
+          <a:noFill/>
+          <a:ln w="28575">
+            <a:solidFill>
+              <a:srgbClr val="0070C0"/>
+            </a:solidFill>
+          </a:ln>
+        </p:spPr>
+        <p:style>
+          <a:lnRef idx="2">
+            <a:schemeClr val="accent1">
+              <a:shade val="50000"/>
+            </a:schemeClr>
+          </a:lnRef>
+          <a:fillRef idx="1">
+            <a:schemeClr val="accent1"/>
+          </a:fillRef>
+          <a:effectRef idx="0">
+            <a:schemeClr val="accent1"/>
+          </a:effectRef>
+          <a:fontRef idx="minor">
+            <a:schemeClr val="lt1"/>
+          </a:fontRef>
+        </p:style>
+        <p:txBody>
+          <a:bodyPr rtlCol="0" anchor="ctr"/>
+          <a:lstStyle/>
+          <a:p>
+            <a:pPr algn="ctr"/>
+            <a:endParaRPr lang="fr-FR" dirty="0"/>
+          </a:p>
+        </p:txBody>
+      </p:sp>
+      <p:grpSp>
+        <p:nvGrpSpPr>
+          <p:cNvPr id="66" name="Groupe 65"/>
+          <p:cNvGrpSpPr/>
+          <p:nvPr/>
+        </p:nvGrpSpPr>
+        <p:grpSpPr>
+          <a:xfrm rot="17100000">
+            <a:off x="2305507" y="3430153"/>
+            <a:ext cx="436120" cy="72000"/>
+            <a:chOff x="2808634" y="4142825"/>
+            <a:chExt cx="436120" cy="54516"/>
+          </a:xfrm>
+        </p:grpSpPr>
+        <p:grpSp>
+          <p:nvGrpSpPr>
+            <p:cNvPr id="65" name="Groupe 64"/>
+            <p:cNvGrpSpPr/>
+            <p:nvPr/>
+          </p:nvGrpSpPr>
+          <p:grpSpPr>
+            <a:xfrm>
+              <a:off x="2808634" y="4142825"/>
+              <a:ext cx="218060" cy="54516"/>
+              <a:chOff x="3494569" y="4632523"/>
+              <a:chExt cx="1175384" cy="293846"/>
+            </a:xfrm>
+          </p:grpSpPr>
+          <p:grpSp>
+            <p:nvGrpSpPr>
+              <p:cNvPr id="64" name="Groupe 63"/>
+              <p:cNvGrpSpPr/>
+              <p:nvPr/>
+            </p:nvGrpSpPr>
+            <p:grpSpPr>
+              <a:xfrm>
+                <a:off x="3494569" y="4632523"/>
+                <a:ext cx="587692" cy="293846"/>
+                <a:chOff x="2854816" y="4102002"/>
+                <a:chExt cx="587692" cy="293846"/>
+              </a:xfrm>
+            </p:grpSpPr>
+            <p:sp>
+              <p:nvSpPr>
+                <p:cNvPr id="1055" name="Arc 1054"/>
+                <p:cNvSpPr/>
+                <p:nvPr/>
+              </p:nvSpPr>
+              <p:spPr>
+                <a:xfrm>
+                  <a:off x="2854816" y="4102002"/>
+                  <a:ext cx="293846" cy="293846"/>
+                </a:xfrm>
+                <a:prstGeom prst="arc">
+                  <a:avLst>
+                    <a:gd name="adj1" fmla="val 10570914"/>
+                    <a:gd name="adj2" fmla="val 304368"/>
+                  </a:avLst>
+                </a:prstGeom>
+                <a:noFill/>
+                <a:ln w="28575">
+                  <a:solidFill>
+                    <a:srgbClr val="FF0000"/>
+                  </a:solidFill>
+                </a:ln>
+              </p:spPr>
+              <p:style>
+                <a:lnRef idx="2">
+                  <a:schemeClr val="accent1">
+                    <a:shade val="50000"/>
+                  </a:schemeClr>
+                </a:lnRef>
+                <a:fillRef idx="1">
+                  <a:schemeClr val="accent1"/>
+                </a:fillRef>
+                <a:effectRef idx="0">
+                  <a:schemeClr val="accent1"/>
+                </a:effectRef>
+                <a:fontRef idx="minor">
+                  <a:schemeClr val="lt1"/>
+                </a:fontRef>
+              </p:style>
+              <p:txBody>
+                <a:bodyPr rtlCol="0" anchor="ctr"/>
+                <a:lstStyle/>
+                <a:p>
+                  <a:pPr algn="ctr"/>
+                  <a:endParaRPr lang="fr-FR">
+                    <a:solidFill>
+                      <a:schemeClr val="lt1"/>
+                    </a:solidFill>
+                  </a:endParaRPr>
+                </a:p>
+              </p:txBody>
+            </p:sp>
+            <p:sp>
+              <p:nvSpPr>
+                <p:cNvPr id="109" name="Arc 108"/>
+                <p:cNvSpPr/>
+                <p:nvPr/>
+              </p:nvSpPr>
+              <p:spPr>
+                <a:xfrm rot="10800000">
+                  <a:off x="3148662" y="4102002"/>
+                  <a:ext cx="293846" cy="293846"/>
+                </a:xfrm>
+                <a:prstGeom prst="arc">
+                  <a:avLst>
+                    <a:gd name="adj1" fmla="val 10570914"/>
+                    <a:gd name="adj2" fmla="val 304368"/>
+                  </a:avLst>
+                </a:prstGeom>
+                <a:noFill/>
+                <a:ln w="28575">
+                  <a:solidFill>
+                    <a:srgbClr val="FF0000"/>
+                  </a:solidFill>
+                </a:ln>
+              </p:spPr>
+              <p:style>
+                <a:lnRef idx="2">
+                  <a:schemeClr val="accent1">
+                    <a:shade val="50000"/>
+                  </a:schemeClr>
+                </a:lnRef>
+                <a:fillRef idx="1">
+                  <a:schemeClr val="accent1"/>
+                </a:fillRef>
+                <a:effectRef idx="0">
+                  <a:schemeClr val="accent1"/>
+                </a:effectRef>
+                <a:fontRef idx="minor">
+                  <a:schemeClr val="lt1"/>
+                </a:fontRef>
+              </p:style>
+              <p:txBody>
+                <a:bodyPr rtlCol="0" anchor="ctr"/>
+                <a:lstStyle/>
+                <a:p>
+                  <a:pPr algn="ctr"/>
+                  <a:endParaRPr lang="fr-FR">
+                    <a:solidFill>
+                      <a:schemeClr val="lt1"/>
+                    </a:solidFill>
+                  </a:endParaRPr>
+                </a:p>
+              </p:txBody>
+            </p:sp>
+          </p:grpSp>
+          <p:grpSp>
+            <p:nvGrpSpPr>
+              <p:cNvPr id="111" name="Groupe 110"/>
+              <p:cNvGrpSpPr/>
+              <p:nvPr/>
+            </p:nvGrpSpPr>
+            <p:grpSpPr>
+              <a:xfrm>
+                <a:off x="4082261" y="4632523"/>
+                <a:ext cx="587692" cy="293846"/>
+                <a:chOff x="2854816" y="4102002"/>
+                <a:chExt cx="587692" cy="293846"/>
+              </a:xfrm>
+            </p:grpSpPr>
+            <p:sp>
+              <p:nvSpPr>
+                <p:cNvPr id="112" name="Arc 111"/>
+                <p:cNvSpPr/>
+                <p:nvPr/>
+              </p:nvSpPr>
+              <p:spPr>
+                <a:xfrm>
+                  <a:off x="2854816" y="4102002"/>
+                  <a:ext cx="293846" cy="293846"/>
+                </a:xfrm>
+                <a:prstGeom prst="arc">
+                  <a:avLst>
+                    <a:gd name="adj1" fmla="val 10570914"/>
+                    <a:gd name="adj2" fmla="val 304368"/>
+                  </a:avLst>
+                </a:prstGeom>
+                <a:noFill/>
+                <a:ln w="28575">
+                  <a:solidFill>
+                    <a:srgbClr val="FF0000"/>
+                  </a:solidFill>
+                </a:ln>
+              </p:spPr>
+              <p:style>
+                <a:lnRef idx="2">
+                  <a:schemeClr val="accent1">
+                    <a:shade val="50000"/>
+                  </a:schemeClr>
+                </a:lnRef>
+                <a:fillRef idx="1">
+                  <a:schemeClr val="accent1"/>
+                </a:fillRef>
+                <a:effectRef idx="0">
+                  <a:schemeClr val="accent1"/>
+                </a:effectRef>
+                <a:fontRef idx="minor">
+                  <a:schemeClr val="lt1"/>
+                </a:fontRef>
+              </p:style>
+              <p:txBody>
+                <a:bodyPr rtlCol="0" anchor="ctr"/>
+                <a:lstStyle/>
+                <a:p>
+                  <a:pPr algn="ctr"/>
+                  <a:endParaRPr lang="fr-FR">
+                    <a:solidFill>
+                      <a:schemeClr val="lt1"/>
+                    </a:solidFill>
+                  </a:endParaRPr>
+                </a:p>
+              </p:txBody>
+            </p:sp>
+            <p:sp>
+              <p:nvSpPr>
+                <p:cNvPr id="113" name="Arc 112"/>
+                <p:cNvSpPr/>
+                <p:nvPr/>
+              </p:nvSpPr>
+              <p:spPr>
+                <a:xfrm rot="10800000">
+                  <a:off x="3148662" y="4102002"/>
+                  <a:ext cx="293846" cy="293846"/>
+                </a:xfrm>
+                <a:prstGeom prst="arc">
+                  <a:avLst>
+                    <a:gd name="adj1" fmla="val 10570914"/>
+                    <a:gd name="adj2" fmla="val 304368"/>
+                  </a:avLst>
+                </a:prstGeom>
+                <a:noFill/>
+                <a:ln w="28575">
+                  <a:solidFill>
+                    <a:srgbClr val="FF0000"/>
+                  </a:solidFill>
+                </a:ln>
+              </p:spPr>
+              <p:style>
+                <a:lnRef idx="2">
+                  <a:schemeClr val="accent1">
+                    <a:shade val="50000"/>
+                  </a:schemeClr>
+                </a:lnRef>
+                <a:fillRef idx="1">
+                  <a:schemeClr val="accent1"/>
+                </a:fillRef>
+                <a:effectRef idx="0">
+                  <a:schemeClr val="accent1"/>
+                </a:effectRef>
+                <a:fontRef idx="minor">
+                  <a:schemeClr val="lt1"/>
+                </a:fontRef>
+              </p:style>
+              <p:txBody>
+                <a:bodyPr rtlCol="0" anchor="ctr"/>
+                <a:lstStyle/>
+                <a:p>
+                  <a:pPr algn="ctr"/>
+                  <a:endParaRPr lang="fr-FR">
+                    <a:solidFill>
+                      <a:schemeClr val="lt1"/>
+                    </a:solidFill>
+                  </a:endParaRPr>
+                </a:p>
+              </p:txBody>
+            </p:sp>
+          </p:grpSp>
+        </p:grpSp>
+        <p:grpSp>
+          <p:nvGrpSpPr>
+            <p:cNvPr id="115" name="Groupe 114"/>
+            <p:cNvGrpSpPr/>
+            <p:nvPr/>
+          </p:nvGrpSpPr>
+          <p:grpSpPr>
+            <a:xfrm>
+              <a:off x="3026694" y="4142825"/>
+              <a:ext cx="218060" cy="54516"/>
+              <a:chOff x="3494569" y="4632523"/>
+              <a:chExt cx="1175384" cy="293846"/>
+            </a:xfrm>
+          </p:grpSpPr>
+          <p:grpSp>
+            <p:nvGrpSpPr>
+              <p:cNvPr id="116" name="Groupe 115"/>
+              <p:cNvGrpSpPr/>
+              <p:nvPr/>
+            </p:nvGrpSpPr>
+            <p:grpSpPr>
+              <a:xfrm>
+                <a:off x="3494569" y="4632523"/>
+                <a:ext cx="587692" cy="293846"/>
+                <a:chOff x="2854816" y="4102002"/>
+                <a:chExt cx="587692" cy="293846"/>
+              </a:xfrm>
+            </p:grpSpPr>
+            <p:sp>
+              <p:nvSpPr>
+                <p:cNvPr id="120" name="Arc 119"/>
+                <p:cNvSpPr/>
+                <p:nvPr/>
+              </p:nvSpPr>
+              <p:spPr>
+                <a:xfrm>
+                  <a:off x="2854816" y="4102002"/>
+                  <a:ext cx="293846" cy="293846"/>
+                </a:xfrm>
+                <a:prstGeom prst="arc">
+                  <a:avLst>
+                    <a:gd name="adj1" fmla="val 10570914"/>
+                    <a:gd name="adj2" fmla="val 304368"/>
+                  </a:avLst>
+                </a:prstGeom>
+                <a:noFill/>
+                <a:ln w="28575">
+                  <a:solidFill>
+                    <a:srgbClr val="FF0000"/>
+                  </a:solidFill>
+                </a:ln>
+              </p:spPr>
+              <p:style>
+                <a:lnRef idx="2">
+                  <a:schemeClr val="accent1">
+                    <a:shade val="50000"/>
+                  </a:schemeClr>
+                </a:lnRef>
+                <a:fillRef idx="1">
+                  <a:schemeClr val="accent1"/>
+                </a:fillRef>
+                <a:effectRef idx="0">
+                  <a:schemeClr val="accent1"/>
+                </a:effectRef>
+                <a:fontRef idx="minor">
+                  <a:schemeClr val="lt1"/>
+                </a:fontRef>
+              </p:style>
+              <p:txBody>
+                <a:bodyPr rtlCol="0" anchor="ctr"/>
+                <a:lstStyle/>
+                <a:p>
+                  <a:pPr algn="ctr"/>
+                  <a:endParaRPr lang="fr-FR">
+                    <a:solidFill>
+                      <a:schemeClr val="lt1"/>
+                    </a:solidFill>
+                  </a:endParaRPr>
+                </a:p>
+              </p:txBody>
+            </p:sp>
+            <p:sp>
+              <p:nvSpPr>
+                <p:cNvPr id="121" name="Arc 120"/>
+                <p:cNvSpPr/>
+                <p:nvPr/>
+              </p:nvSpPr>
+              <p:spPr>
+                <a:xfrm rot="10800000">
+                  <a:off x="3148662" y="4102002"/>
+                  <a:ext cx="293846" cy="293846"/>
+                </a:xfrm>
+                <a:prstGeom prst="arc">
+                  <a:avLst>
+                    <a:gd name="adj1" fmla="val 10570914"/>
+                    <a:gd name="adj2" fmla="val 304368"/>
+                  </a:avLst>
+                </a:prstGeom>
+                <a:noFill/>
+                <a:ln w="28575">
+                  <a:solidFill>
+                    <a:srgbClr val="FF0000"/>
+                  </a:solidFill>
+                </a:ln>
+              </p:spPr>
+              <p:style>
+                <a:lnRef idx="2">
+                  <a:schemeClr val="accent1">
+                    <a:shade val="50000"/>
+                  </a:schemeClr>
+                </a:lnRef>
+                <a:fillRef idx="1">
+                  <a:schemeClr val="accent1"/>
+                </a:fillRef>
+                <a:effectRef idx="0">
+                  <a:schemeClr val="accent1"/>
+                </a:effectRef>
+                <a:fontRef idx="minor">
+                  <a:schemeClr val="lt1"/>
+                </a:fontRef>
+              </p:style>
+              <p:txBody>
+                <a:bodyPr rtlCol="0" anchor="ctr"/>
+                <a:lstStyle/>
+                <a:p>
+                  <a:pPr algn="ctr"/>
+                  <a:endParaRPr lang="fr-FR">
+                    <a:solidFill>
+                      <a:schemeClr val="lt1"/>
+                    </a:solidFill>
+                  </a:endParaRPr>
+                </a:p>
+              </p:txBody>
+            </p:sp>
+          </p:grpSp>
+          <p:grpSp>
+            <p:nvGrpSpPr>
+              <p:cNvPr id="117" name="Groupe 116"/>
+              <p:cNvGrpSpPr/>
+              <p:nvPr/>
+            </p:nvGrpSpPr>
+            <p:grpSpPr>
+              <a:xfrm>
+                <a:off x="4082261" y="4632523"/>
+                <a:ext cx="587692" cy="293846"/>
+                <a:chOff x="2854816" y="4102002"/>
+                <a:chExt cx="587692" cy="293846"/>
+              </a:xfrm>
+            </p:grpSpPr>
+            <p:sp>
+              <p:nvSpPr>
+                <p:cNvPr id="118" name="Arc 117"/>
+                <p:cNvSpPr/>
+                <p:nvPr/>
+              </p:nvSpPr>
+              <p:spPr>
+                <a:xfrm>
+                  <a:off x="2854816" y="4102002"/>
+                  <a:ext cx="293846" cy="293846"/>
+                </a:xfrm>
+                <a:prstGeom prst="arc">
+                  <a:avLst>
+                    <a:gd name="adj1" fmla="val 10570914"/>
+                    <a:gd name="adj2" fmla="val 304368"/>
+                  </a:avLst>
+                </a:prstGeom>
+                <a:noFill/>
+                <a:ln w="28575">
+                  <a:solidFill>
+                    <a:srgbClr val="FF0000"/>
+                  </a:solidFill>
+                </a:ln>
+              </p:spPr>
+              <p:style>
+                <a:lnRef idx="2">
+                  <a:schemeClr val="accent1">
+                    <a:shade val="50000"/>
+                  </a:schemeClr>
+                </a:lnRef>
+                <a:fillRef idx="1">
+                  <a:schemeClr val="accent1"/>
+                </a:fillRef>
+                <a:effectRef idx="0">
+                  <a:schemeClr val="accent1"/>
+                </a:effectRef>
+                <a:fontRef idx="minor">
+                  <a:schemeClr val="lt1"/>
+                </a:fontRef>
+              </p:style>
+              <p:txBody>
+                <a:bodyPr rtlCol="0" anchor="ctr"/>
+                <a:lstStyle/>
+                <a:p>
+                  <a:pPr algn="ctr"/>
+                  <a:endParaRPr lang="fr-FR">
+                    <a:solidFill>
+                      <a:schemeClr val="lt1"/>
+                    </a:solidFill>
+                  </a:endParaRPr>
+                </a:p>
+              </p:txBody>
+            </p:sp>
+            <p:sp>
+              <p:nvSpPr>
+                <p:cNvPr id="119" name="Arc 118"/>
+                <p:cNvSpPr/>
+                <p:nvPr/>
+              </p:nvSpPr>
+              <p:spPr>
+                <a:xfrm rot="10800000">
+                  <a:off x="3148662" y="4102002"/>
+                  <a:ext cx="293846" cy="293846"/>
+                </a:xfrm>
+                <a:prstGeom prst="arc">
+                  <a:avLst>
+                    <a:gd name="adj1" fmla="val 10570914"/>
+                    <a:gd name="adj2" fmla="val 304368"/>
+                  </a:avLst>
+                </a:prstGeom>
+                <a:noFill/>
+                <a:ln w="28575">
+                  <a:solidFill>
+                    <a:srgbClr val="FF0000"/>
+                  </a:solidFill>
+                </a:ln>
+              </p:spPr>
+              <p:style>
+                <a:lnRef idx="2">
+                  <a:schemeClr val="accent1">
+                    <a:shade val="50000"/>
+                  </a:schemeClr>
+                </a:lnRef>
+                <a:fillRef idx="1">
+                  <a:schemeClr val="accent1"/>
+                </a:fillRef>
+                <a:effectRef idx="0">
+                  <a:schemeClr val="accent1"/>
+                </a:effectRef>
+                <a:fontRef idx="minor">
+                  <a:schemeClr val="lt1"/>
+                </a:fontRef>
+              </p:style>
+              <p:txBody>
+                <a:bodyPr rtlCol="0" anchor="ctr"/>
+                <a:lstStyle/>
+                <a:p>
+                  <a:pPr algn="ctr"/>
+                  <a:endParaRPr lang="fr-FR">
+                    <a:solidFill>
+                      <a:schemeClr val="lt1"/>
+                    </a:solidFill>
+                  </a:endParaRPr>
+                </a:p>
+              </p:txBody>
+            </p:sp>
+          </p:grpSp>
+        </p:grpSp>
+      </p:grpSp>
+      <p:cxnSp>
+        <p:nvCxnSpPr>
+          <p:cNvPr id="132" name="Connecteur droit 131"/>
+          <p:cNvCxnSpPr/>
+          <p:nvPr/>
+        </p:nvCxnSpPr>
+        <p:spPr>
+          <a:xfrm>
+            <a:off x="2202449" y="3085003"/>
+            <a:ext cx="1575885" cy="422255"/>
+          </a:xfrm>
+          <a:prstGeom prst="line">
+            <a:avLst/>
+          </a:prstGeom>
+          <a:noFill/>
+          <a:ln w="12700">
+            <a:solidFill>
+              <a:schemeClr val="tx1"/>
+            </a:solidFill>
+          </a:ln>
+        </p:spPr>
+        <p:style>
+          <a:lnRef idx="2">
+            <a:schemeClr val="accent1">
+              <a:shade val="50000"/>
+            </a:schemeClr>
+          </a:lnRef>
+          <a:fillRef idx="1">
+            <a:schemeClr val="accent1"/>
+          </a:fillRef>
+          <a:effectRef idx="0">
+            <a:schemeClr val="accent1"/>
+          </a:effectRef>
+          <a:fontRef idx="minor">
+            <a:schemeClr val="lt1"/>
+          </a:fontRef>
+        </p:style>
+      </p:cxnSp>
+      <p:cxnSp>
+        <p:nvCxnSpPr>
+          <p:cNvPr id="136" name="Connecteur droit 135"/>
+          <p:cNvCxnSpPr/>
+          <p:nvPr/>
+        </p:nvCxnSpPr>
+        <p:spPr>
+          <a:xfrm flipH="1">
+            <a:off x="2588127" y="2978940"/>
+            <a:ext cx="43034" cy="144681"/>
+          </a:xfrm>
+          <a:prstGeom prst="line">
+            <a:avLst/>
+          </a:prstGeom>
+          <a:noFill/>
+          <a:ln w="28575">
+            <a:solidFill>
+              <a:srgbClr val="0070C0"/>
+            </a:solidFill>
+          </a:ln>
+        </p:spPr>
+        <p:style>
+          <a:lnRef idx="2">
+            <a:schemeClr val="accent1">
+              <a:shade val="50000"/>
+            </a:schemeClr>
+          </a:lnRef>
+          <a:fillRef idx="1">
+            <a:schemeClr val="accent1"/>
+          </a:fillRef>
+          <a:effectRef idx="0">
+            <a:schemeClr val="accent1"/>
+          </a:effectRef>
+          <a:fontRef idx="minor">
+            <a:schemeClr val="lt1"/>
+          </a:fontRef>
+        </p:style>
+      </p:cxnSp>
+      <p:cxnSp>
+        <p:nvCxnSpPr>
+          <p:cNvPr id="139" name="Connecteur droit 138"/>
+          <p:cNvCxnSpPr/>
+          <p:nvPr/>
+        </p:nvCxnSpPr>
+        <p:spPr>
+          <a:xfrm flipH="1">
+            <a:off x="2391311" y="2438518"/>
+            <a:ext cx="139811" cy="470036"/>
+          </a:xfrm>
+          <a:prstGeom prst="line">
+            <a:avLst/>
+          </a:prstGeom>
+          <a:noFill/>
+          <a:ln w="28575">
+            <a:solidFill>
+              <a:srgbClr val="0070C0"/>
+            </a:solidFill>
+          </a:ln>
+        </p:spPr>
+        <p:style>
+          <a:lnRef idx="2">
+            <a:schemeClr val="accent1">
+              <a:shade val="50000"/>
+            </a:schemeClr>
+          </a:lnRef>
+          <a:fillRef idx="1">
+            <a:schemeClr val="accent1"/>
+          </a:fillRef>
+          <a:effectRef idx="0">
+            <a:schemeClr val="accent1"/>
+          </a:effectRef>
+          <a:fontRef idx="minor">
+            <a:schemeClr val="lt1"/>
+          </a:fontRef>
+        </p:style>
+      </p:cxnSp>
+      <p:cxnSp>
+        <p:nvCxnSpPr>
+          <p:cNvPr id="141" name="Connecteur droit 140"/>
+          <p:cNvCxnSpPr/>
+          <p:nvPr/>
+        </p:nvCxnSpPr>
+        <p:spPr>
+          <a:xfrm>
+            <a:off x="2375928" y="2910090"/>
+            <a:ext cx="255233" cy="68389"/>
+          </a:xfrm>
+          <a:prstGeom prst="line">
+            <a:avLst/>
+          </a:prstGeom>
+          <a:noFill/>
+          <a:ln w="28575">
+            <a:solidFill>
+              <a:srgbClr val="0070C0"/>
+            </a:solidFill>
+          </a:ln>
+        </p:spPr>
+        <p:style>
+          <a:lnRef idx="2">
+            <a:schemeClr val="accent1">
+              <a:shade val="50000"/>
+            </a:schemeClr>
+          </a:lnRef>
+          <a:fillRef idx="1">
+            <a:schemeClr val="accent1"/>
+          </a:fillRef>
+          <a:effectRef idx="0">
+            <a:schemeClr val="accent1"/>
+          </a:effectRef>
+          <a:fontRef idx="minor">
+            <a:schemeClr val="lt1"/>
+          </a:fontRef>
+        </p:style>
+      </p:cxnSp>
+      <p:cxnSp>
+        <p:nvCxnSpPr>
+          <p:cNvPr id="145" name="Connecteur droit 144"/>
+          <p:cNvCxnSpPr>
+            <a:endCxn id="89" idx="1"/>
+          </p:cNvCxnSpPr>
+          <p:nvPr/>
+        </p:nvCxnSpPr>
+        <p:spPr>
+          <a:xfrm>
+            <a:off x="2531122" y="2436268"/>
+            <a:ext cx="138293" cy="37823"/>
+          </a:xfrm>
+          <a:prstGeom prst="line">
+            <a:avLst/>
+          </a:prstGeom>
+          <a:noFill/>
+          <a:ln w="28575">
+            <a:solidFill>
+              <a:srgbClr val="0070C0"/>
+            </a:solidFill>
+          </a:ln>
+        </p:spPr>
+        <p:style>
+          <a:lnRef idx="2">
+            <a:schemeClr val="accent1">
+              <a:shade val="50000"/>
+            </a:schemeClr>
+          </a:lnRef>
+          <a:fillRef idx="1">
+            <a:schemeClr val="accent1"/>
+          </a:fillRef>
+          <a:effectRef idx="0">
+            <a:schemeClr val="accent1"/>
+          </a:effectRef>
+          <a:fontRef idx="minor">
+            <a:schemeClr val="lt1"/>
+          </a:fontRef>
+        </p:style>
+      </p:cxnSp>
+      <p:cxnSp>
+        <p:nvCxnSpPr>
+          <p:cNvPr id="148" name="Connecteur droit 147"/>
+          <p:cNvCxnSpPr/>
+          <p:nvPr/>
+        </p:nvCxnSpPr>
+        <p:spPr>
+          <a:xfrm>
+            <a:off x="1961652" y="3325711"/>
+            <a:ext cx="429659" cy="115126"/>
+          </a:xfrm>
+          <a:prstGeom prst="line">
+            <a:avLst/>
+          </a:prstGeom>
+          <a:noFill/>
+          <a:ln w="28575">
+            <a:solidFill>
+              <a:srgbClr val="0070C0"/>
+            </a:solidFill>
+          </a:ln>
+        </p:spPr>
+        <p:style>
+          <a:lnRef idx="2">
+            <a:schemeClr val="accent1">
+              <a:shade val="50000"/>
+            </a:schemeClr>
+          </a:lnRef>
+          <a:fillRef idx="1">
+            <a:schemeClr val="accent1"/>
+          </a:fillRef>
+          <a:effectRef idx="0">
+            <a:schemeClr val="accent1"/>
+          </a:effectRef>
+          <a:fontRef idx="minor">
+            <a:schemeClr val="lt1"/>
+          </a:fontRef>
+        </p:style>
+      </p:cxnSp>
+      <p:cxnSp>
+        <p:nvCxnSpPr>
+          <p:cNvPr id="150" name="Connecteur droit 149"/>
+          <p:cNvCxnSpPr/>
+          <p:nvPr/>
+        </p:nvCxnSpPr>
+        <p:spPr>
+          <a:xfrm>
+            <a:off x="2185120" y="2632710"/>
+            <a:ext cx="268062" cy="71826"/>
+          </a:xfrm>
+          <a:prstGeom prst="line">
+            <a:avLst/>
+          </a:prstGeom>
+          <a:noFill/>
+          <a:ln w="28575">
+            <a:solidFill>
+              <a:srgbClr val="0070C0"/>
+            </a:solidFill>
+          </a:ln>
+        </p:spPr>
+        <p:style>
+          <a:lnRef idx="2">
+            <a:schemeClr val="accent1">
+              <a:shade val="50000"/>
+            </a:schemeClr>
+          </a:lnRef>
+          <a:fillRef idx="1">
+            <a:schemeClr val="accent1"/>
+          </a:fillRef>
+          <a:effectRef idx="0">
+            <a:schemeClr val="accent1"/>
+          </a:effectRef>
+          <a:fontRef idx="minor">
+            <a:schemeClr val="lt1"/>
+          </a:fontRef>
+        </p:style>
+      </p:cxnSp>
+      <p:cxnSp>
+        <p:nvCxnSpPr>
+          <p:cNvPr id="151" name="Connecteur droit 150"/>
+          <p:cNvCxnSpPr/>
+          <p:nvPr/>
+        </p:nvCxnSpPr>
+        <p:spPr>
+          <a:xfrm flipH="1">
+            <a:off x="1978362" y="2618892"/>
+            <a:ext cx="209782" cy="705279"/>
+          </a:xfrm>
+          <a:prstGeom prst="line">
+            <a:avLst/>
+          </a:prstGeom>
+          <a:noFill/>
+          <a:ln w="28575">
+            <a:solidFill>
+              <a:srgbClr val="0070C0"/>
+            </a:solidFill>
+          </a:ln>
+        </p:spPr>
+        <p:style>
+          <a:lnRef idx="2">
+            <a:schemeClr val="accent1">
+              <a:shade val="50000"/>
+            </a:schemeClr>
+          </a:lnRef>
+          <a:fillRef idx="1">
+            <a:schemeClr val="accent1"/>
+          </a:fillRef>
+          <a:effectRef idx="0">
+            <a:schemeClr val="accent1"/>
+          </a:effectRef>
+          <a:fontRef idx="minor">
+            <a:schemeClr val="lt1"/>
+          </a:fontRef>
+        </p:style>
+      </p:cxnSp>
+      <p:sp>
+        <p:nvSpPr>
+          <p:cNvPr id="155" name="Rectangle 154"/>
+          <p:cNvSpPr/>
+          <p:nvPr/>
+        </p:nvSpPr>
+        <p:spPr>
+          <a:xfrm rot="900000">
+            <a:off x="3874178" y="1927506"/>
+            <a:ext cx="202694" cy="405386"/>
+          </a:xfrm>
+          <a:prstGeom prst="rect">
+            <a:avLst/>
+          </a:prstGeom>
+          <a:noFill/>
+          <a:ln w="28575">
+            <a:solidFill>
+              <a:schemeClr val="accent4"/>
+            </a:solidFill>
+          </a:ln>
+        </p:spPr>
+        <p:style>
+          <a:lnRef idx="2">
+            <a:schemeClr val="accent1">
+              <a:shade val="50000"/>
+            </a:schemeClr>
+          </a:lnRef>
+          <a:fillRef idx="1">
+            <a:schemeClr val="accent1"/>
+          </a:fillRef>
+          <a:effectRef idx="0">
+            <a:schemeClr val="accent1"/>
+          </a:effectRef>
+          <a:fontRef idx="minor">
+            <a:schemeClr val="lt1"/>
+          </a:fontRef>
+        </p:style>
+        <p:txBody>
+          <a:bodyPr rtlCol="0" anchor="ctr"/>
+          <a:lstStyle/>
+          <a:p>
+            <a:pPr algn="ctr"/>
+            <a:endParaRPr lang="fr-FR" dirty="0"/>
+          </a:p>
+        </p:txBody>
+      </p:sp>
+      <p:cxnSp>
+        <p:nvCxnSpPr>
+          <p:cNvPr id="164" name="Connecteur droit 163"/>
+          <p:cNvCxnSpPr/>
+          <p:nvPr/>
+        </p:nvCxnSpPr>
+        <p:spPr>
+          <a:xfrm>
+            <a:off x="3932919" y="1861979"/>
+            <a:ext cx="200826" cy="53811"/>
+          </a:xfrm>
+          <a:prstGeom prst="line">
+            <a:avLst/>
+          </a:prstGeom>
+          <a:noFill/>
+          <a:ln w="28575">
+            <a:solidFill>
+              <a:srgbClr val="00B050"/>
+            </a:solidFill>
+          </a:ln>
+        </p:spPr>
+        <p:style>
+          <a:lnRef idx="2">
+            <a:schemeClr val="accent1">
+              <a:shade val="50000"/>
+            </a:schemeClr>
+          </a:lnRef>
+          <a:fillRef idx="1">
+            <a:schemeClr val="accent1"/>
+          </a:fillRef>
+          <a:effectRef idx="0">
+            <a:schemeClr val="accent1"/>
+          </a:effectRef>
+          <a:fontRef idx="minor">
+            <a:schemeClr val="lt1"/>
+          </a:fontRef>
+        </p:style>
+      </p:cxnSp>
+      <p:sp>
+        <p:nvSpPr>
+          <p:cNvPr id="10" name="Ellipse 9"/>
+          <p:cNvSpPr/>
+          <p:nvPr/>
+        </p:nvSpPr>
+        <p:spPr>
+          <a:xfrm>
+            <a:off x="2081099" y="4599156"/>
+            <a:ext cx="214090" cy="214090"/>
+          </a:xfrm>
+          <a:prstGeom prst="ellipse">
+            <a:avLst/>
+          </a:prstGeom>
+          <a:solidFill>
+            <a:schemeClr val="bg1"/>
+          </a:solidFill>
+          <a:ln w="28575">
+            <a:solidFill>
+              <a:srgbClr val="FF0000"/>
+            </a:solidFill>
+          </a:ln>
+        </p:spPr>
+        <p:style>
+          <a:lnRef idx="2">
+            <a:schemeClr val="accent1">
+              <a:shade val="50000"/>
+            </a:schemeClr>
+          </a:lnRef>
+          <a:fillRef idx="1">
+            <a:schemeClr val="accent1"/>
+          </a:fillRef>
+          <a:effectRef idx="0">
+            <a:schemeClr val="accent1"/>
+          </a:effectRef>
+          <a:fontRef idx="minor">
+            <a:schemeClr val="lt1"/>
+          </a:fontRef>
+        </p:style>
+        <p:txBody>
+          <a:bodyPr rtlCol="0" anchor="ctr"/>
+          <a:lstStyle/>
+          <a:p>
+            <a:pPr algn="ctr"/>
+            <a:endParaRPr lang="fr-FR"/>
+          </a:p>
+        </p:txBody>
+      </p:sp>
+      <p:sp>
+        <p:nvSpPr>
+          <p:cNvPr id="169" name="Ellipse 168"/>
+          <p:cNvSpPr/>
+          <p:nvPr/>
+        </p:nvSpPr>
+        <p:spPr>
+          <a:xfrm>
+            <a:off x="2990391" y="1234646"/>
+            <a:ext cx="214090" cy="214090"/>
+          </a:xfrm>
+          <a:prstGeom prst="ellipse">
+            <a:avLst/>
+          </a:prstGeom>
+          <a:solidFill>
+            <a:schemeClr val="bg1"/>
+          </a:solidFill>
+          <a:ln w="28575">
+            <a:solidFill>
+              <a:schemeClr val="tx1"/>
+            </a:solidFill>
+          </a:ln>
+        </p:spPr>
+        <p:style>
+          <a:lnRef idx="2">
+            <a:schemeClr val="accent1">
+              <a:shade val="50000"/>
+            </a:schemeClr>
+          </a:lnRef>
+          <a:fillRef idx="1">
+            <a:schemeClr val="accent1"/>
+          </a:fillRef>
+          <a:effectRef idx="0">
+            <a:schemeClr val="accent1"/>
+          </a:effectRef>
+          <a:fontRef idx="minor">
+            <a:schemeClr val="lt1"/>
+          </a:fontRef>
+        </p:style>
+        <p:txBody>
+          <a:bodyPr rtlCol="0" anchor="ctr"/>
+          <a:lstStyle/>
+          <a:p>
+            <a:pPr algn="ctr"/>
+            <a:endParaRPr lang="fr-FR"/>
+          </a:p>
+        </p:txBody>
+      </p:sp>
+      <p:cxnSp>
+        <p:nvCxnSpPr>
+          <p:cNvPr id="173" name="Connecteur droit 172"/>
+          <p:cNvCxnSpPr/>
+          <p:nvPr/>
+        </p:nvCxnSpPr>
+        <p:spPr>
+          <a:xfrm flipV="1">
+            <a:off x="2743200" y="814085"/>
+            <a:ext cx="1273" cy="405115"/>
+          </a:xfrm>
+          <a:prstGeom prst="line">
+            <a:avLst/>
+          </a:prstGeom>
+          <a:solidFill>
+            <a:schemeClr val="bg1"/>
+          </a:solidFill>
+          <a:ln w="28575">
+            <a:solidFill>
+              <a:schemeClr val="tx1"/>
+            </a:solidFill>
+          </a:ln>
+        </p:spPr>
+        <p:style>
+          <a:lnRef idx="2">
+            <a:schemeClr val="accent1">
+              <a:shade val="50000"/>
+            </a:schemeClr>
+          </a:lnRef>
+          <a:fillRef idx="1">
+            <a:schemeClr val="accent1"/>
+          </a:fillRef>
+          <a:effectRef idx="0">
+            <a:schemeClr val="accent1"/>
+          </a:effectRef>
+          <a:fontRef idx="minor">
+            <a:schemeClr val="lt1"/>
+          </a:fontRef>
+        </p:style>
+      </p:cxnSp>
+      <p:sp>
+        <p:nvSpPr>
+          <p:cNvPr id="128" name="Forme libre 127"/>
+          <p:cNvSpPr/>
+          <p:nvPr/>
+        </p:nvSpPr>
+        <p:spPr>
+          <a:xfrm>
+            <a:off x="2589616" y="800100"/>
+            <a:ext cx="153584" cy="423606"/>
+          </a:xfrm>
+          <a:custGeom>
+            <a:avLst/>
+            <a:gdLst>
+              <a:gd name="connsiteX0" fmla="*/ 155493 w 155493"/>
+              <a:gd name="connsiteY0" fmla="*/ 0 h 400050"/>
+              <a:gd name="connsiteX1" fmla="*/ 3093 w 155493"/>
+              <a:gd name="connsiteY1" fmla="*/ 133350 h 400050"/>
+              <a:gd name="connsiteX2" fmla="*/ 60243 w 155493"/>
+              <a:gd name="connsiteY2" fmla="*/ 333375 h 400050"/>
+              <a:gd name="connsiteX3" fmla="*/ 145968 w 155493"/>
+              <a:gd name="connsiteY3" fmla="*/ 400050 h 400050"/>
+            </a:gdLst>
+            <a:ahLst/>
+            <a:cxnLst>
+              <a:cxn ang="0">
+                <a:pos x="connsiteX0" y="connsiteY0"/>
+              </a:cxn>
+              <a:cxn ang="0">
+                <a:pos x="connsiteX1" y="connsiteY1"/>
+              </a:cxn>
+              <a:cxn ang="0">
+                <a:pos x="connsiteX2" y="connsiteY2"/>
+              </a:cxn>
+              <a:cxn ang="0">
+                <a:pos x="connsiteX3" y="connsiteY3"/>
+              </a:cxn>
+            </a:cxnLst>
+            <a:rect l="l" t="t" r="r" b="b"/>
+            <a:pathLst>
+              <a:path w="155493" h="400050">
+                <a:moveTo>
+                  <a:pt x="155493" y="0"/>
+                </a:moveTo>
+                <a:cubicBezTo>
+                  <a:pt x="87230" y="38894"/>
+                  <a:pt x="18968" y="77788"/>
+                  <a:pt x="3093" y="133350"/>
+                </a:cubicBezTo>
+                <a:cubicBezTo>
+                  <a:pt x="-12782" y="188912"/>
+                  <a:pt x="36431" y="288925"/>
+                  <a:pt x="60243" y="333375"/>
+                </a:cubicBezTo>
+                <a:cubicBezTo>
+                  <a:pt x="84055" y="377825"/>
+                  <a:pt x="115011" y="388937"/>
+                  <a:pt x="145968" y="400050"/>
+                </a:cubicBezTo>
+              </a:path>
+            </a:pathLst>
+          </a:custGeom>
+          <a:solidFill>
+            <a:schemeClr val="bg1">
+              <a:lumMod val="75000"/>
+            </a:schemeClr>
+          </a:solidFill>
+          <a:ln w="12700">
+            <a:noFill/>
+          </a:ln>
+        </p:spPr>
+        <p:style>
+          <a:lnRef idx="1">
+            <a:schemeClr val="accent1"/>
+          </a:lnRef>
+          <a:fillRef idx="0">
+            <a:schemeClr val="accent1"/>
+          </a:fillRef>
+          <a:effectRef idx="0">
+            <a:schemeClr val="accent1"/>
+          </a:effectRef>
+          <a:fontRef idx="minor">
+            <a:schemeClr val="tx1"/>
+          </a:fontRef>
+        </p:style>
+        <p:txBody>
+          <a:bodyPr rtlCol="0" anchor="ctr"/>
+          <a:lstStyle/>
+          <a:p>
+            <a:pPr algn="ctr"/>
+            <a:endParaRPr lang="fr-FR"/>
+          </a:p>
+        </p:txBody>
+      </p:sp>
+      <p:sp>
+        <p:nvSpPr>
+          <p:cNvPr id="176" name="Ellipse 175"/>
+          <p:cNvSpPr/>
+          <p:nvPr/>
+        </p:nvSpPr>
+        <p:spPr>
+          <a:xfrm>
+            <a:off x="2037829" y="1509416"/>
+            <a:ext cx="252000" cy="252000"/>
+          </a:xfrm>
+          <a:prstGeom prst="ellipse">
+            <a:avLst/>
+          </a:prstGeom>
+          <a:solidFill>
+            <a:schemeClr val="bg1"/>
+          </a:solidFill>
+          <a:ln w="12700">
+            <a:solidFill>
+              <a:schemeClr val="tx1"/>
+            </a:solidFill>
+          </a:ln>
+        </p:spPr>
+        <p:style>
+          <a:lnRef idx="2">
+            <a:schemeClr val="accent1">
+              <a:shade val="50000"/>
+            </a:schemeClr>
+          </a:lnRef>
+          <a:fillRef idx="1">
+            <a:schemeClr val="accent1"/>
+          </a:fillRef>
+          <a:effectRef idx="0">
+            <a:schemeClr val="accent1"/>
+          </a:effectRef>
+          <a:fontRef idx="minor">
+            <a:schemeClr val="lt1"/>
+          </a:fontRef>
+        </p:style>
+        <p:txBody>
+          <a:bodyPr lIns="0" tIns="0" rIns="0" bIns="0" rtlCol="0" anchor="ctr"/>
+          <a:lstStyle/>
+          <a:p>
+            <a:pPr algn="ctr"/>
+            <a:r>
+              <a:rPr lang="fr-FR" sz="1200" dirty="0" smtClean="0">
+                <a:solidFill>
+                  <a:sysClr val="windowText" lastClr="000000"/>
+                </a:solidFill>
+              </a:rPr>
+              <a:t>3</a:t>
+            </a:r>
+            <a:r>
+              <a:rPr lang="fr-FR" sz="1200" baseline="-25000" dirty="0" smtClean="0">
+                <a:solidFill>
+                  <a:sysClr val="windowText" lastClr="000000"/>
+                </a:solidFill>
+              </a:rPr>
+              <a:t>2</a:t>
+            </a:r>
+            <a:endParaRPr lang="fr-FR" baseline="-25000" dirty="0">
+              <a:solidFill>
+                <a:sysClr val="windowText" lastClr="000000"/>
+              </a:solidFill>
+            </a:endParaRPr>
+          </a:p>
+        </p:txBody>
+      </p:sp>
+      <p:cxnSp>
+        <p:nvCxnSpPr>
+          <p:cNvPr id="133" name="Connecteur droit avec flèche 132"/>
+          <p:cNvCxnSpPr>
+            <a:stCxn id="176" idx="6"/>
+          </p:cNvCxnSpPr>
+          <p:nvPr/>
+        </p:nvCxnSpPr>
+        <p:spPr>
+          <a:xfrm>
+            <a:off x="2289829" y="1635416"/>
+            <a:ext cx="771861" cy="0"/>
+          </a:xfrm>
+          <a:prstGeom prst="straightConnector1">
+            <a:avLst/>
+          </a:prstGeom>
+          <a:ln w="12700">
+            <a:solidFill>
+              <a:schemeClr val="tx1"/>
+            </a:solidFill>
+            <a:headEnd w="med" len="lg"/>
+            <a:tailEnd type="stealth" w="med" len="lg"/>
+          </a:ln>
+        </p:spPr>
+        <p:style>
+          <a:lnRef idx="1">
+            <a:schemeClr val="accent1"/>
+          </a:lnRef>
+          <a:fillRef idx="0">
+            <a:schemeClr val="accent1"/>
+          </a:fillRef>
+          <a:effectRef idx="0">
+            <a:schemeClr val="accent1"/>
+          </a:effectRef>
+          <a:fontRef idx="minor">
+            <a:schemeClr val="tx1"/>
+          </a:fontRef>
+        </p:style>
+      </p:cxnSp>
+      <p:sp>
+        <p:nvSpPr>
+          <p:cNvPr id="181" name="Ellipse 180"/>
+          <p:cNvSpPr/>
+          <p:nvPr/>
+        </p:nvSpPr>
+        <p:spPr>
+          <a:xfrm>
+            <a:off x="2874352" y="4332644"/>
+            <a:ext cx="252000" cy="252000"/>
+          </a:xfrm>
+          <a:prstGeom prst="ellipse">
+            <a:avLst/>
+          </a:prstGeom>
+          <a:solidFill>
+            <a:schemeClr val="bg1"/>
+          </a:solidFill>
+          <a:ln w="12700">
+            <a:solidFill>
+              <a:schemeClr val="tx1"/>
+            </a:solidFill>
+          </a:ln>
+        </p:spPr>
+        <p:style>
+          <a:lnRef idx="2">
+            <a:schemeClr val="accent1">
+              <a:shade val="50000"/>
+            </a:schemeClr>
+          </a:lnRef>
+          <a:fillRef idx="1">
+            <a:schemeClr val="accent1"/>
+          </a:fillRef>
+          <a:effectRef idx="0">
+            <a:schemeClr val="accent1"/>
+          </a:effectRef>
+          <a:fontRef idx="minor">
+            <a:schemeClr val="lt1"/>
+          </a:fontRef>
+        </p:style>
+        <p:txBody>
+          <a:bodyPr lIns="0" tIns="0" rIns="0" bIns="0" rtlCol="0" anchor="ctr"/>
+          <a:lstStyle/>
+          <a:p>
+            <a:pPr algn="ctr"/>
+            <a:r>
+              <a:rPr lang="fr-FR" sz="1200" dirty="0" smtClean="0">
+                <a:solidFill>
+                  <a:sysClr val="windowText" lastClr="000000"/>
+                </a:solidFill>
+              </a:rPr>
+              <a:t>3</a:t>
+            </a:r>
+            <a:r>
+              <a:rPr lang="fr-FR" sz="1200" baseline="-25000" dirty="0" smtClean="0">
+                <a:solidFill>
+                  <a:sysClr val="windowText" lastClr="000000"/>
+                </a:solidFill>
+              </a:rPr>
+              <a:t>1</a:t>
+            </a:r>
+            <a:endParaRPr lang="fr-FR" baseline="-25000" dirty="0">
+              <a:solidFill>
+                <a:sysClr val="windowText" lastClr="000000"/>
+              </a:solidFill>
+            </a:endParaRPr>
+          </a:p>
+        </p:txBody>
+      </p:sp>
+      <p:cxnSp>
+        <p:nvCxnSpPr>
+          <p:cNvPr id="182" name="Connecteur droit avec flèche 181"/>
+          <p:cNvCxnSpPr>
+            <a:stCxn id="181" idx="2"/>
+          </p:cNvCxnSpPr>
+          <p:nvPr/>
+        </p:nvCxnSpPr>
+        <p:spPr>
+          <a:xfrm flipH="1">
+            <a:off x="2270548" y="4458644"/>
+            <a:ext cx="603804" cy="0"/>
+          </a:xfrm>
+          <a:prstGeom prst="straightConnector1">
+            <a:avLst/>
+          </a:prstGeom>
+          <a:ln w="12700">
+            <a:solidFill>
+              <a:schemeClr val="tx1"/>
+            </a:solidFill>
+            <a:headEnd w="med" len="lg"/>
+            <a:tailEnd type="stealth" w="med" len="lg"/>
+          </a:ln>
+        </p:spPr>
+        <p:style>
+          <a:lnRef idx="1">
+            <a:schemeClr val="accent1"/>
+          </a:lnRef>
+          <a:fillRef idx="0">
+            <a:schemeClr val="accent1"/>
+          </a:fillRef>
+          <a:effectRef idx="0">
+            <a:schemeClr val="accent1"/>
+          </a:effectRef>
+          <a:fontRef idx="minor">
+            <a:schemeClr val="tx1"/>
+          </a:fontRef>
+        </p:style>
+      </p:cxnSp>
+      <p:sp>
+        <p:nvSpPr>
+          <p:cNvPr id="185" name="Ellipse 184"/>
+          <p:cNvSpPr/>
+          <p:nvPr/>
+        </p:nvSpPr>
+        <p:spPr>
+          <a:xfrm>
+            <a:off x="3499464" y="982646"/>
+            <a:ext cx="252000" cy="252000"/>
+          </a:xfrm>
+          <a:prstGeom prst="ellipse">
+            <a:avLst/>
+          </a:prstGeom>
+          <a:solidFill>
+            <a:schemeClr val="bg1"/>
+          </a:solidFill>
+          <a:ln w="12700">
+            <a:solidFill>
+              <a:schemeClr val="tx1"/>
+            </a:solidFill>
+          </a:ln>
+        </p:spPr>
+        <p:style>
+          <a:lnRef idx="2">
+            <a:schemeClr val="accent1">
+              <a:shade val="50000"/>
+            </a:schemeClr>
+          </a:lnRef>
+          <a:fillRef idx="1">
+            <a:schemeClr val="accent1"/>
+          </a:fillRef>
+          <a:effectRef idx="0">
+            <a:schemeClr val="accent1"/>
+          </a:effectRef>
+          <a:fontRef idx="minor">
+            <a:schemeClr val="lt1"/>
+          </a:fontRef>
+        </p:style>
+        <p:txBody>
+          <a:bodyPr lIns="0" tIns="0" rIns="0" bIns="0" rtlCol="0" anchor="ctr"/>
+          <a:lstStyle/>
+          <a:p>
+            <a:pPr algn="ctr"/>
+            <a:r>
+              <a:rPr lang="fr-FR" sz="1200" dirty="0" smtClean="0">
+                <a:solidFill>
+                  <a:sysClr val="windowText" lastClr="000000"/>
+                </a:solidFill>
+              </a:rPr>
+              <a:t>0</a:t>
+            </a:r>
+            <a:endParaRPr lang="fr-FR" baseline="-25000" dirty="0">
+              <a:solidFill>
+                <a:sysClr val="windowText" lastClr="000000"/>
+              </a:solidFill>
+            </a:endParaRPr>
+          </a:p>
+        </p:txBody>
+      </p:sp>
+      <p:cxnSp>
+        <p:nvCxnSpPr>
+          <p:cNvPr id="186" name="Connecteur droit avec flèche 185"/>
+          <p:cNvCxnSpPr>
+            <a:stCxn id="185" idx="2"/>
+          </p:cNvCxnSpPr>
+          <p:nvPr/>
+        </p:nvCxnSpPr>
+        <p:spPr>
+          <a:xfrm flipH="1">
+            <a:off x="3097724" y="1108646"/>
+            <a:ext cx="401740" cy="0"/>
+          </a:xfrm>
+          <a:prstGeom prst="straightConnector1">
+            <a:avLst/>
+          </a:prstGeom>
+          <a:ln w="12700">
+            <a:solidFill>
+              <a:schemeClr val="tx1"/>
+            </a:solidFill>
+            <a:headEnd w="med" len="lg"/>
+            <a:tailEnd type="stealth" w="med" len="lg"/>
+          </a:ln>
+        </p:spPr>
+        <p:style>
+          <a:lnRef idx="1">
+            <a:schemeClr val="accent1"/>
+          </a:lnRef>
+          <a:fillRef idx="0">
+            <a:schemeClr val="accent1"/>
+          </a:fillRef>
+          <a:effectRef idx="0">
+            <a:schemeClr val="accent1"/>
+          </a:effectRef>
+          <a:fontRef idx="minor">
+            <a:schemeClr val="tx1"/>
+          </a:fontRef>
+        </p:style>
+      </p:cxnSp>
+      <p:sp>
+        <p:nvSpPr>
+          <p:cNvPr id="193" name="Ellipse 192"/>
+          <p:cNvSpPr/>
+          <p:nvPr/>
+        </p:nvSpPr>
+        <p:spPr>
+          <a:xfrm>
+            <a:off x="3933674" y="1391410"/>
+            <a:ext cx="373360" cy="373360"/>
+          </a:xfrm>
+          <a:prstGeom prst="ellipse">
+            <a:avLst/>
+          </a:prstGeom>
+          <a:noFill/>
+          <a:ln w="28575">
+            <a:solidFill>
+              <a:srgbClr val="00B050"/>
+            </a:solidFill>
+          </a:ln>
+        </p:spPr>
+        <p:style>
+          <a:lnRef idx="2">
+            <a:schemeClr val="accent1">
+              <a:shade val="50000"/>
+            </a:schemeClr>
+          </a:lnRef>
+          <a:fillRef idx="1">
+            <a:schemeClr val="accent1"/>
+          </a:fillRef>
+          <a:effectRef idx="0">
+            <a:schemeClr val="accent1"/>
+          </a:effectRef>
+          <a:fontRef idx="minor">
+            <a:schemeClr val="lt1"/>
+          </a:fontRef>
+        </p:style>
+        <p:txBody>
+          <a:bodyPr lIns="0" tIns="0" rIns="0" bIns="0" rtlCol="0" anchor="ctr"/>
+          <a:lstStyle/>
+          <a:p>
+            <a:pPr algn="ctr"/>
+            <a:r>
+              <a:rPr lang="fr-FR" sz="1400" b="1" dirty="0">
+                <a:solidFill>
+                  <a:srgbClr val="00B050"/>
+                </a:solidFill>
+              </a:rPr>
+              <a:t>M</a:t>
+            </a:r>
+            <a:endParaRPr lang="fr-FR" b="1" baseline="-25000" dirty="0">
+              <a:solidFill>
+                <a:srgbClr val="00B050"/>
+              </a:solidFill>
+            </a:endParaRPr>
+          </a:p>
+        </p:txBody>
+      </p:sp>
+      <p:cxnSp>
+        <p:nvCxnSpPr>
+          <p:cNvPr id="194" name="Connecteur droit avec flèche 193"/>
+          <p:cNvCxnSpPr/>
+          <p:nvPr/>
+        </p:nvCxnSpPr>
+        <p:spPr>
+          <a:xfrm flipH="1">
+            <a:off x="3858397" y="2768240"/>
+            <a:ext cx="469782" cy="0"/>
+          </a:xfrm>
+          <a:prstGeom prst="straightConnector1">
+            <a:avLst/>
+          </a:prstGeom>
+          <a:ln w="12700">
+            <a:solidFill>
+              <a:schemeClr val="tx1"/>
+            </a:solidFill>
+            <a:headEnd w="med" len="lg"/>
+            <a:tailEnd type="stealth" w="med" len="lg"/>
+          </a:ln>
+        </p:spPr>
+        <p:style>
+          <a:lnRef idx="1">
+            <a:schemeClr val="accent1"/>
+          </a:lnRef>
+          <a:fillRef idx="0">
+            <a:schemeClr val="accent1"/>
+          </a:fillRef>
+          <a:effectRef idx="0">
+            <a:schemeClr val="accent1"/>
+          </a:effectRef>
+          <a:fontRef idx="minor">
+            <a:schemeClr val="tx1"/>
+          </a:fontRef>
+        </p:style>
+      </p:cxnSp>
+      <p:sp>
+        <p:nvSpPr>
+          <p:cNvPr id="149" name="Rectangle 148"/>
+          <p:cNvSpPr/>
+          <p:nvPr/>
+        </p:nvSpPr>
+        <p:spPr>
+          <a:xfrm>
+            <a:off x="4250052" y="2624524"/>
+            <a:ext cx="914738" cy="276999"/>
+          </a:xfrm>
+          <a:prstGeom prst="rect">
+            <a:avLst/>
+          </a:prstGeom>
+        </p:spPr>
+        <p:txBody>
+          <a:bodyPr wrap="none">
+            <a:spAutoFit/>
+          </a:bodyPr>
+          <a:lstStyle/>
+          <a:p>
+            <a:r>
+              <a:rPr lang="fr-FR" sz="1200" dirty="0" smtClean="0">
+                <a:solidFill>
+                  <a:sysClr val="windowText" lastClr="000000"/>
+                </a:solidFill>
+              </a:rPr>
+              <a:t>Axe moteur</a:t>
+            </a:r>
+            <a:endParaRPr lang="fr-FR" sz="1200" dirty="0"/>
+          </a:p>
+        </p:txBody>
+      </p:sp>
+      <p:cxnSp>
+        <p:nvCxnSpPr>
+          <p:cNvPr id="197" name="Connecteur droit avec flèche 196"/>
+          <p:cNvCxnSpPr/>
+          <p:nvPr/>
+        </p:nvCxnSpPr>
+        <p:spPr>
+          <a:xfrm flipH="1">
+            <a:off x="3845446" y="3482583"/>
+            <a:ext cx="469782" cy="0"/>
+          </a:xfrm>
+          <a:prstGeom prst="straightConnector1">
+            <a:avLst/>
+          </a:prstGeom>
+          <a:ln w="12700">
+            <a:solidFill>
+              <a:schemeClr val="tx1"/>
+            </a:solidFill>
+            <a:headEnd w="med" len="lg"/>
+            <a:tailEnd type="stealth" w="med" len="lg"/>
+          </a:ln>
+        </p:spPr>
+        <p:style>
+          <a:lnRef idx="1">
+            <a:schemeClr val="accent1"/>
+          </a:lnRef>
+          <a:fillRef idx="0">
+            <a:schemeClr val="accent1"/>
+          </a:fillRef>
+          <a:effectRef idx="0">
+            <a:schemeClr val="accent1"/>
+          </a:effectRef>
+          <a:fontRef idx="minor">
+            <a:schemeClr val="tx1"/>
+          </a:fontRef>
+        </p:style>
+      </p:cxnSp>
+      <p:sp>
+        <p:nvSpPr>
+          <p:cNvPr id="198" name="Rectangle 197"/>
+          <p:cNvSpPr/>
+          <p:nvPr/>
+        </p:nvSpPr>
+        <p:spPr>
+          <a:xfrm>
+            <a:off x="4237101" y="3338867"/>
+            <a:ext cx="1093697" cy="276999"/>
+          </a:xfrm>
+          <a:prstGeom prst="rect">
+            <a:avLst/>
+          </a:prstGeom>
+        </p:spPr>
+        <p:txBody>
+          <a:bodyPr wrap="none">
+            <a:spAutoFit/>
+          </a:bodyPr>
+          <a:lstStyle/>
+          <a:p>
+            <a:r>
+              <a:rPr lang="fr-FR" sz="1200" dirty="0" smtClean="0">
+                <a:solidFill>
+                  <a:sysClr val="windowText" lastClr="000000"/>
+                </a:solidFill>
+              </a:rPr>
+              <a:t>Poulie motrice</a:t>
+            </a:r>
+            <a:endParaRPr lang="fr-FR" sz="1200" dirty="0"/>
+          </a:p>
+        </p:txBody>
+      </p:sp>
+    </p:spTree>
+    <p:extLst>
+      <p:ext uri="{BB962C8B-B14F-4D97-AF65-F5344CB8AC3E}">
+        <p14:creationId xmlns:p14="http://schemas.microsoft.com/office/powerpoint/2010/main" val="2919036874"/>
+      </p:ext>
+    </p:extLst>
+  </p:cSld>
+  <p:clrMapOvr>
+    <a:masterClrMapping/>
+  </p:clrMapOvr>
+</p:sld>
+</file>
+
+<file path=ppt/slides/slide5.xml><?xml version="1.0" encoding="utf-8"?>
+<p:sld xmlns:a="http://schemas.openxmlformats.org/drawingml/2006/main" xmlns:r="http://schemas.openxmlformats.org/officeDocument/2006/relationships" xmlns:p="http://schemas.openxmlformats.org/presentationml/2006/main">
+  <p:cSld>
+    <p:spTree>
+      <p:nvGrpSpPr>
+        <p:cNvPr id="1" name=""/>
+        <p:cNvGrpSpPr/>
+        <p:nvPr/>
+      </p:nvGrpSpPr>
+      <p:grpSpPr>
+        <a:xfrm>
+          <a:off x="0" y="0"/>
+          <a:ext cx="0" cy="0"/>
+          <a:chOff x="0" y="0"/>
+          <a:chExt cx="0" cy="0"/>
+        </a:xfrm>
+      </p:grpSpPr>
+      <p:cxnSp>
+        <p:nvCxnSpPr>
+          <p:cNvPr id="23" name="Connecteur droit 22"/>
+          <p:cNvCxnSpPr/>
+          <p:nvPr/>
+        </p:nvCxnSpPr>
+        <p:spPr>
+          <a:xfrm flipV="1">
+            <a:off x="3636458" y="1747601"/>
+            <a:ext cx="443879" cy="1656576"/>
+          </a:xfrm>
+          <a:prstGeom prst="line">
+            <a:avLst/>
+          </a:prstGeom>
+          <a:noFill/>
+          <a:ln w="28575">
+            <a:solidFill>
+              <a:srgbClr val="00B050"/>
+            </a:solidFill>
+          </a:ln>
+        </p:spPr>
+        <p:style>
+          <a:lnRef idx="2">
+            <a:schemeClr val="accent1">
+              <a:shade val="50000"/>
+            </a:schemeClr>
+          </a:lnRef>
+          <a:fillRef idx="1">
+            <a:schemeClr val="accent1"/>
+          </a:fillRef>
+          <a:effectRef idx="0">
+            <a:schemeClr val="accent1"/>
+          </a:effectRef>
+          <a:fontRef idx="minor">
+            <a:schemeClr val="lt1"/>
+          </a:fontRef>
+        </p:style>
+      </p:cxnSp>
+      <p:cxnSp>
+        <p:nvCxnSpPr>
+          <p:cNvPr id="28" name="Connecteur droit 27"/>
+          <p:cNvCxnSpPr/>
+          <p:nvPr/>
+        </p:nvCxnSpPr>
+        <p:spPr>
+          <a:xfrm flipV="1">
+            <a:off x="2183041" y="3669447"/>
+            <a:ext cx="270141" cy="1019721"/>
+          </a:xfrm>
+          <a:prstGeom prst="line">
+            <a:avLst/>
+          </a:prstGeom>
+          <a:noFill/>
+          <a:ln w="28575">
+            <a:solidFill>
+              <a:srgbClr val="FF0000"/>
+            </a:solidFill>
+          </a:ln>
+        </p:spPr>
+        <p:style>
+          <a:lnRef idx="2">
+            <a:schemeClr val="accent1">
+              <a:shade val="50000"/>
+            </a:schemeClr>
+          </a:lnRef>
+          <a:fillRef idx="1">
+            <a:schemeClr val="accent1"/>
+          </a:fillRef>
+          <a:effectRef idx="0">
+            <a:schemeClr val="accent1"/>
+          </a:effectRef>
+          <a:fontRef idx="minor">
+            <a:schemeClr val="lt1"/>
+          </a:fontRef>
+        </p:style>
+      </p:cxnSp>
+      <p:cxnSp>
+        <p:nvCxnSpPr>
+          <p:cNvPr id="30" name="Connecteur droit 29"/>
+          <p:cNvCxnSpPr/>
+          <p:nvPr/>
+        </p:nvCxnSpPr>
+        <p:spPr>
+          <a:xfrm>
+            <a:off x="1537499" y="3841578"/>
+            <a:ext cx="716018" cy="212976"/>
+          </a:xfrm>
+          <a:prstGeom prst="line">
+            <a:avLst/>
+          </a:prstGeom>
+          <a:noFill/>
+          <a:ln w="28575">
+            <a:solidFill>
+              <a:schemeClr val="accent4"/>
+            </a:solidFill>
+          </a:ln>
+        </p:spPr>
+        <p:style>
+          <a:lnRef idx="2">
+            <a:schemeClr val="accent1">
+              <a:shade val="50000"/>
+            </a:schemeClr>
+          </a:lnRef>
+          <a:fillRef idx="1">
+            <a:schemeClr val="accent1"/>
+          </a:fillRef>
+          <a:effectRef idx="0">
+            <a:schemeClr val="accent1"/>
+          </a:effectRef>
+          <a:fontRef idx="minor">
+            <a:schemeClr val="lt1"/>
+          </a:fontRef>
+        </p:style>
+      </p:cxnSp>
+      <p:cxnSp>
+        <p:nvCxnSpPr>
+          <p:cNvPr id="40" name="Connecteur droit 39"/>
+          <p:cNvCxnSpPr/>
+          <p:nvPr/>
+        </p:nvCxnSpPr>
+        <p:spPr>
+          <a:xfrm flipV="1">
+            <a:off x="1537499" y="1946576"/>
+            <a:ext cx="510768" cy="1906215"/>
+          </a:xfrm>
+          <a:prstGeom prst="line">
+            <a:avLst/>
+          </a:prstGeom>
+          <a:noFill/>
+          <a:ln w="28575">
+            <a:solidFill>
+              <a:schemeClr val="accent4"/>
+            </a:solidFill>
+          </a:ln>
+        </p:spPr>
+        <p:style>
+          <a:lnRef idx="2">
+            <a:schemeClr val="accent1">
+              <a:shade val="50000"/>
+            </a:schemeClr>
+          </a:lnRef>
+          <a:fillRef idx="1">
+            <a:schemeClr val="accent1"/>
+          </a:fillRef>
+          <a:effectRef idx="0">
+            <a:schemeClr val="accent1"/>
+          </a:effectRef>
+          <a:fontRef idx="minor">
+            <a:schemeClr val="lt1"/>
+          </a:fontRef>
+        </p:style>
+      </p:cxnSp>
+      <p:cxnSp>
+        <p:nvCxnSpPr>
+          <p:cNvPr id="42" name="Connecteur droit 41"/>
+          <p:cNvCxnSpPr>
+            <a:endCxn id="155" idx="1"/>
+          </p:cNvCxnSpPr>
+          <p:nvPr/>
+        </p:nvCxnSpPr>
+        <p:spPr>
+          <a:xfrm>
+            <a:off x="2951784" y="1832996"/>
+            <a:ext cx="925847" cy="270972"/>
+          </a:xfrm>
+          <a:prstGeom prst="line">
+            <a:avLst/>
+          </a:prstGeom>
+          <a:noFill/>
+          <a:ln w="28575">
+            <a:solidFill>
+              <a:schemeClr val="accent4"/>
+            </a:solidFill>
+          </a:ln>
+        </p:spPr>
+        <p:style>
+          <a:lnRef idx="2">
+            <a:schemeClr val="accent1">
+              <a:shade val="50000"/>
+            </a:schemeClr>
+          </a:lnRef>
+          <a:fillRef idx="1">
+            <a:schemeClr val="accent1"/>
+          </a:fillRef>
+          <a:effectRef idx="0">
+            <a:schemeClr val="accent1"/>
+          </a:effectRef>
+          <a:fontRef idx="minor">
+            <a:schemeClr val="lt1"/>
+          </a:fontRef>
+        </p:style>
+      </p:cxnSp>
+      <p:cxnSp>
+        <p:nvCxnSpPr>
+          <p:cNvPr id="48" name="Connecteur droit 47"/>
+          <p:cNvCxnSpPr/>
+          <p:nvPr/>
+        </p:nvCxnSpPr>
+        <p:spPr>
+          <a:xfrm flipH="1">
+            <a:off x="2801697" y="1281413"/>
+            <a:ext cx="330115" cy="1109826"/>
+          </a:xfrm>
+          <a:prstGeom prst="line">
+            <a:avLst/>
+          </a:prstGeom>
+          <a:noFill/>
+          <a:ln w="28575">
+            <a:solidFill>
+              <a:schemeClr val="accent4"/>
+            </a:solidFill>
+          </a:ln>
+        </p:spPr>
+        <p:style>
+          <a:lnRef idx="2">
+            <a:schemeClr val="accent1">
+              <a:shade val="50000"/>
+            </a:schemeClr>
+          </a:lnRef>
+          <a:fillRef idx="1">
+            <a:schemeClr val="accent1"/>
+          </a:fillRef>
+          <a:effectRef idx="0">
+            <a:schemeClr val="accent1"/>
+          </a:effectRef>
+          <a:fontRef idx="minor">
+            <a:schemeClr val="lt1"/>
+          </a:fontRef>
+        </p:style>
+      </p:cxnSp>
+      <p:cxnSp>
+        <p:nvCxnSpPr>
+          <p:cNvPr id="51" name="Connecteur droit 50"/>
+          <p:cNvCxnSpPr/>
+          <p:nvPr/>
+        </p:nvCxnSpPr>
+        <p:spPr>
+          <a:xfrm flipH="1" flipV="1">
+            <a:off x="3097436" y="953670"/>
+            <a:ext cx="288" cy="270036"/>
+          </a:xfrm>
+          <a:prstGeom prst="line">
+            <a:avLst/>
+          </a:prstGeom>
+          <a:solidFill>
+            <a:schemeClr val="bg1"/>
+          </a:solidFill>
+          <a:ln w="28575">
+            <a:solidFill>
+              <a:schemeClr val="tx1"/>
+            </a:solidFill>
+          </a:ln>
+        </p:spPr>
+        <p:style>
+          <a:lnRef idx="2">
+            <a:schemeClr val="accent1">
+              <a:shade val="50000"/>
+            </a:schemeClr>
+          </a:lnRef>
+          <a:fillRef idx="1">
+            <a:schemeClr val="accent1"/>
+          </a:fillRef>
+          <a:effectRef idx="0">
+            <a:schemeClr val="accent1"/>
+          </a:effectRef>
+          <a:fontRef idx="minor">
+            <a:schemeClr val="lt1"/>
+          </a:fontRef>
+        </p:style>
+      </p:cxnSp>
+      <p:cxnSp>
+        <p:nvCxnSpPr>
+          <p:cNvPr id="54" name="Connecteur droit 53"/>
+          <p:cNvCxnSpPr/>
+          <p:nvPr/>
+        </p:nvCxnSpPr>
+        <p:spPr>
+          <a:xfrm>
+            <a:off x="2694821" y="953670"/>
+            <a:ext cx="402903" cy="0"/>
+          </a:xfrm>
+          <a:prstGeom prst="line">
+            <a:avLst/>
+          </a:prstGeom>
+          <a:solidFill>
+            <a:schemeClr val="bg1"/>
+          </a:solidFill>
+          <a:ln w="28575">
+            <a:solidFill>
+              <a:schemeClr val="tx1"/>
+            </a:solidFill>
+          </a:ln>
+        </p:spPr>
+        <p:style>
+          <a:lnRef idx="2">
+            <a:schemeClr val="accent1">
+              <a:shade val="50000"/>
+            </a:schemeClr>
+          </a:lnRef>
+          <a:fillRef idx="1">
+            <a:schemeClr val="accent1"/>
+          </a:fillRef>
+          <a:effectRef idx="0">
+            <a:schemeClr val="accent1"/>
+          </a:effectRef>
+          <a:fontRef idx="minor">
+            <a:schemeClr val="lt1"/>
+          </a:fontRef>
+        </p:style>
+      </p:cxnSp>
+      <p:cxnSp>
+        <p:nvCxnSpPr>
+          <p:cNvPr id="60" name="Connecteur droit 59"/>
+          <p:cNvCxnSpPr/>
+          <p:nvPr/>
+        </p:nvCxnSpPr>
+        <p:spPr>
+          <a:xfrm>
+            <a:off x="2048267" y="1941342"/>
+            <a:ext cx="813505" cy="247925"/>
+          </a:xfrm>
+          <a:prstGeom prst="line">
+            <a:avLst/>
+          </a:prstGeom>
+          <a:noFill/>
+          <a:ln w="28575">
+            <a:solidFill>
+              <a:schemeClr val="accent4"/>
+            </a:solidFill>
+          </a:ln>
+        </p:spPr>
+        <p:style>
+          <a:lnRef idx="2">
+            <a:schemeClr val="accent1">
+              <a:shade val="50000"/>
+            </a:schemeClr>
+          </a:lnRef>
+          <a:fillRef idx="1">
+            <a:schemeClr val="accent1"/>
+          </a:fillRef>
+          <a:effectRef idx="0">
+            <a:schemeClr val="accent1"/>
+          </a:effectRef>
+          <a:fontRef idx="minor">
+            <a:schemeClr val="lt1"/>
+          </a:fontRef>
+        </p:style>
+      </p:cxnSp>
+      <p:cxnSp>
+        <p:nvCxnSpPr>
+          <p:cNvPr id="76" name="Connecteur droit 75"/>
+          <p:cNvCxnSpPr/>
+          <p:nvPr/>
+        </p:nvCxnSpPr>
+        <p:spPr>
+          <a:xfrm>
+            <a:off x="3814211" y="2337428"/>
+            <a:ext cx="200826" cy="53811"/>
+          </a:xfrm>
+          <a:prstGeom prst="line">
+            <a:avLst/>
+          </a:prstGeom>
+          <a:noFill/>
+          <a:ln w="28575">
+            <a:solidFill>
+              <a:srgbClr val="00B050"/>
+            </a:solidFill>
+          </a:ln>
+        </p:spPr>
+        <p:style>
+          <a:lnRef idx="2">
+            <a:schemeClr val="accent1">
+              <a:shade val="50000"/>
+            </a:schemeClr>
+          </a:lnRef>
+          <a:fillRef idx="1">
+            <a:schemeClr val="accent1"/>
+          </a:fillRef>
+          <a:effectRef idx="0">
+            <a:schemeClr val="accent1"/>
+          </a:effectRef>
+          <a:fontRef idx="minor">
+            <a:schemeClr val="lt1"/>
+          </a:fontRef>
+        </p:style>
+      </p:cxnSp>
+      <p:grpSp>
+        <p:nvGrpSpPr>
+          <p:cNvPr id="74" name="Groupe 73"/>
+          <p:cNvGrpSpPr/>
+          <p:nvPr/>
+        </p:nvGrpSpPr>
+        <p:grpSpPr>
+          <a:xfrm>
+            <a:off x="3422377" y="3355178"/>
+            <a:ext cx="369747" cy="203313"/>
+            <a:chOff x="3386475" y="3537338"/>
+            <a:chExt cx="369747" cy="203313"/>
+          </a:xfrm>
+        </p:grpSpPr>
+        <p:cxnSp>
+          <p:nvCxnSpPr>
+            <p:cNvPr id="79" name="Connecteur droit 78"/>
+            <p:cNvCxnSpPr/>
+            <p:nvPr/>
+          </p:nvCxnSpPr>
+          <p:spPr>
+            <a:xfrm>
+              <a:off x="3410560" y="3548466"/>
+              <a:ext cx="342616" cy="91803"/>
+            </a:xfrm>
+            <a:prstGeom prst="line">
+              <a:avLst/>
+            </a:prstGeom>
+            <a:noFill/>
+            <a:ln w="28575">
+              <a:solidFill>
+                <a:srgbClr val="00B050"/>
+              </a:solidFill>
+            </a:ln>
+          </p:spPr>
+          <p:style>
+            <a:lnRef idx="2">
+              <a:schemeClr val="accent1">
+                <a:shade val="50000"/>
+              </a:schemeClr>
+            </a:lnRef>
+            <a:fillRef idx="1">
+              <a:schemeClr val="accent1"/>
+            </a:fillRef>
+            <a:effectRef idx="0">
+              <a:schemeClr val="accent1"/>
+            </a:effectRef>
+            <a:fontRef idx="minor">
+              <a:schemeClr val="lt1"/>
+            </a:fontRef>
+          </p:style>
+        </p:cxnSp>
+        <p:cxnSp>
+          <p:nvCxnSpPr>
+            <p:cNvPr id="85" name="Connecteur droit 84"/>
+            <p:cNvCxnSpPr/>
+            <p:nvPr/>
+          </p:nvCxnSpPr>
+          <p:spPr>
+            <a:xfrm flipV="1">
+              <a:off x="3728643" y="3637720"/>
+              <a:ext cx="27579" cy="102931"/>
+            </a:xfrm>
+            <a:prstGeom prst="line">
+              <a:avLst/>
+            </a:prstGeom>
+            <a:noFill/>
+            <a:ln w="28575">
+              <a:solidFill>
+                <a:srgbClr val="00B050"/>
+              </a:solidFill>
+            </a:ln>
+          </p:spPr>
+          <p:style>
+            <a:lnRef idx="2">
+              <a:schemeClr val="accent1">
+                <a:shade val="50000"/>
+              </a:schemeClr>
+            </a:lnRef>
+            <a:fillRef idx="1">
+              <a:schemeClr val="accent1"/>
+            </a:fillRef>
+            <a:effectRef idx="0">
+              <a:schemeClr val="accent1"/>
+            </a:effectRef>
+            <a:fontRef idx="minor">
+              <a:schemeClr val="lt1"/>
+            </a:fontRef>
+          </p:style>
+        </p:cxnSp>
+        <p:cxnSp>
+          <p:nvCxnSpPr>
+            <p:cNvPr id="87" name="Connecteur droit 86"/>
+            <p:cNvCxnSpPr/>
+            <p:nvPr/>
+          </p:nvCxnSpPr>
+          <p:spPr>
+            <a:xfrm flipV="1">
+              <a:off x="3386475" y="3537338"/>
+              <a:ext cx="27579" cy="102931"/>
+            </a:xfrm>
+            <a:prstGeom prst="line">
+              <a:avLst/>
+            </a:prstGeom>
+            <a:noFill/>
+            <a:ln w="28575">
+              <a:solidFill>
+                <a:srgbClr val="00B050"/>
+              </a:solidFill>
+            </a:ln>
+          </p:spPr>
+          <p:style>
+            <a:lnRef idx="2">
+              <a:schemeClr val="accent1">
+                <a:shade val="50000"/>
+              </a:schemeClr>
+            </a:lnRef>
+            <a:fillRef idx="1">
+              <a:schemeClr val="accent1"/>
+            </a:fillRef>
+            <a:effectRef idx="0">
+              <a:schemeClr val="accent1"/>
+            </a:effectRef>
+            <a:fontRef idx="minor">
+              <a:schemeClr val="lt1"/>
+            </a:fontRef>
+          </p:style>
+        </p:cxnSp>
+      </p:grpSp>
+      <p:sp>
+        <p:nvSpPr>
+          <p:cNvPr id="101" name="Rectangle 100"/>
+          <p:cNvSpPr/>
+          <p:nvPr/>
+        </p:nvSpPr>
+        <p:spPr>
+          <a:xfrm rot="900000">
+            <a:off x="2250850" y="3872115"/>
+            <a:ext cx="202694" cy="405386"/>
+          </a:xfrm>
+          <a:prstGeom prst="rect">
+            <a:avLst/>
+          </a:prstGeom>
+          <a:solidFill>
+            <a:schemeClr val="bg1"/>
+          </a:solidFill>
+          <a:ln w="28575">
+            <a:solidFill>
+              <a:schemeClr val="accent4"/>
+            </a:solidFill>
+          </a:ln>
+        </p:spPr>
+        <p:style>
+          <a:lnRef idx="2">
+            <a:schemeClr val="accent1">
+              <a:shade val="50000"/>
+            </a:schemeClr>
+          </a:lnRef>
+          <a:fillRef idx="1">
+            <a:schemeClr val="accent1"/>
+          </a:fillRef>
+          <a:effectRef idx="0">
+            <a:schemeClr val="accent1"/>
+          </a:effectRef>
+          <a:fontRef idx="minor">
+            <a:schemeClr val="lt1"/>
+          </a:fontRef>
+        </p:style>
+        <p:txBody>
+          <a:bodyPr rtlCol="0" anchor="ctr"/>
+          <a:lstStyle/>
+          <a:p>
+            <a:pPr algn="ctr"/>
+            <a:endParaRPr lang="fr-FR" dirty="0"/>
+          </a:p>
+        </p:txBody>
+      </p:sp>
+      <p:sp>
+        <p:nvSpPr>
+          <p:cNvPr id="155" name="Rectangle 154"/>
+          <p:cNvSpPr/>
+          <p:nvPr/>
+        </p:nvSpPr>
+        <p:spPr>
+          <a:xfrm rot="900000">
+            <a:off x="3874178" y="1927506"/>
+            <a:ext cx="202694" cy="405386"/>
+          </a:xfrm>
+          <a:prstGeom prst="rect">
+            <a:avLst/>
+          </a:prstGeom>
+          <a:noFill/>
+          <a:ln w="28575">
+            <a:solidFill>
+              <a:schemeClr val="accent4"/>
+            </a:solidFill>
+          </a:ln>
+        </p:spPr>
+        <p:style>
+          <a:lnRef idx="2">
+            <a:schemeClr val="accent1">
+              <a:shade val="50000"/>
+            </a:schemeClr>
+          </a:lnRef>
+          <a:fillRef idx="1">
+            <a:schemeClr val="accent1"/>
+          </a:fillRef>
+          <a:effectRef idx="0">
+            <a:schemeClr val="accent1"/>
+          </a:effectRef>
+          <a:fontRef idx="minor">
+            <a:schemeClr val="lt1"/>
+          </a:fontRef>
+        </p:style>
+        <p:txBody>
+          <a:bodyPr rtlCol="0" anchor="ctr"/>
+          <a:lstStyle/>
+          <a:p>
+            <a:pPr algn="ctr"/>
+            <a:endParaRPr lang="fr-FR" dirty="0"/>
+          </a:p>
+        </p:txBody>
+      </p:sp>
+      <p:cxnSp>
+        <p:nvCxnSpPr>
+          <p:cNvPr id="164" name="Connecteur droit 163"/>
+          <p:cNvCxnSpPr/>
+          <p:nvPr/>
+        </p:nvCxnSpPr>
+        <p:spPr>
+          <a:xfrm>
+            <a:off x="3932919" y="1861979"/>
+            <a:ext cx="200826" cy="53811"/>
+          </a:xfrm>
+          <a:prstGeom prst="line">
+            <a:avLst/>
+          </a:prstGeom>
+          <a:noFill/>
+          <a:ln w="28575">
+            <a:solidFill>
+              <a:srgbClr val="00B050"/>
+            </a:solidFill>
+          </a:ln>
+        </p:spPr>
+        <p:style>
+          <a:lnRef idx="2">
+            <a:schemeClr val="accent1">
+              <a:shade val="50000"/>
+            </a:schemeClr>
+          </a:lnRef>
+          <a:fillRef idx="1">
+            <a:schemeClr val="accent1"/>
+          </a:fillRef>
+          <a:effectRef idx="0">
+            <a:schemeClr val="accent1"/>
+          </a:effectRef>
+          <a:fontRef idx="minor">
+            <a:schemeClr val="lt1"/>
+          </a:fontRef>
+        </p:style>
+      </p:cxnSp>
+      <p:sp>
+        <p:nvSpPr>
+          <p:cNvPr id="10" name="Ellipse 9"/>
+          <p:cNvSpPr/>
+          <p:nvPr/>
+        </p:nvSpPr>
+        <p:spPr>
+          <a:xfrm>
+            <a:off x="2081099" y="4599156"/>
+            <a:ext cx="214090" cy="214090"/>
+          </a:xfrm>
+          <a:prstGeom prst="ellipse">
+            <a:avLst/>
+          </a:prstGeom>
+          <a:solidFill>
+            <a:schemeClr val="bg1"/>
+          </a:solidFill>
+          <a:ln w="28575">
+            <a:solidFill>
+              <a:srgbClr val="FF0000"/>
+            </a:solidFill>
+          </a:ln>
+        </p:spPr>
+        <p:style>
+          <a:lnRef idx="2">
+            <a:schemeClr val="accent1">
+              <a:shade val="50000"/>
+            </a:schemeClr>
+          </a:lnRef>
+          <a:fillRef idx="1">
+            <a:schemeClr val="accent1"/>
+          </a:fillRef>
+          <a:effectRef idx="0">
+            <a:schemeClr val="accent1"/>
+          </a:effectRef>
+          <a:fontRef idx="minor">
+            <a:schemeClr val="lt1"/>
+          </a:fontRef>
+        </p:style>
+        <p:txBody>
+          <a:bodyPr rtlCol="0" anchor="ctr"/>
+          <a:lstStyle/>
+          <a:p>
+            <a:pPr algn="ctr"/>
+            <a:endParaRPr lang="fr-FR"/>
+          </a:p>
+        </p:txBody>
+      </p:sp>
+      <p:sp>
+        <p:nvSpPr>
+          <p:cNvPr id="169" name="Ellipse 168"/>
+          <p:cNvSpPr/>
+          <p:nvPr/>
+        </p:nvSpPr>
+        <p:spPr>
+          <a:xfrm>
+            <a:off x="2990391" y="1234646"/>
+            <a:ext cx="214090" cy="214090"/>
+          </a:xfrm>
+          <a:prstGeom prst="ellipse">
+            <a:avLst/>
+          </a:prstGeom>
+          <a:solidFill>
+            <a:schemeClr val="bg1"/>
+          </a:solidFill>
+          <a:ln w="28575">
+            <a:solidFill>
+              <a:schemeClr val="tx1"/>
+            </a:solidFill>
+          </a:ln>
+        </p:spPr>
+        <p:style>
+          <a:lnRef idx="2">
+            <a:schemeClr val="accent1">
+              <a:shade val="50000"/>
+            </a:schemeClr>
+          </a:lnRef>
+          <a:fillRef idx="1">
+            <a:schemeClr val="accent1"/>
+          </a:fillRef>
+          <a:effectRef idx="0">
+            <a:schemeClr val="accent1"/>
+          </a:effectRef>
+          <a:fontRef idx="minor">
+            <a:schemeClr val="lt1"/>
+          </a:fontRef>
+        </p:style>
+        <p:txBody>
+          <a:bodyPr rtlCol="0" anchor="ctr"/>
+          <a:lstStyle/>
+          <a:p>
+            <a:pPr algn="ctr"/>
+            <a:endParaRPr lang="fr-FR"/>
+          </a:p>
+        </p:txBody>
+      </p:sp>
+      <p:cxnSp>
+        <p:nvCxnSpPr>
+          <p:cNvPr id="173" name="Connecteur droit 172"/>
+          <p:cNvCxnSpPr/>
+          <p:nvPr/>
+        </p:nvCxnSpPr>
+        <p:spPr>
+          <a:xfrm flipV="1">
+            <a:off x="2743200" y="814085"/>
+            <a:ext cx="1273" cy="405115"/>
+          </a:xfrm>
+          <a:prstGeom prst="line">
+            <a:avLst/>
+          </a:prstGeom>
+          <a:solidFill>
+            <a:schemeClr val="bg1"/>
+          </a:solidFill>
+          <a:ln w="28575">
+            <a:solidFill>
+              <a:schemeClr val="tx1"/>
+            </a:solidFill>
+          </a:ln>
+        </p:spPr>
+        <p:style>
+          <a:lnRef idx="2">
+            <a:schemeClr val="accent1">
+              <a:shade val="50000"/>
+            </a:schemeClr>
+          </a:lnRef>
+          <a:fillRef idx="1">
+            <a:schemeClr val="accent1"/>
+          </a:fillRef>
+          <a:effectRef idx="0">
+            <a:schemeClr val="accent1"/>
+          </a:effectRef>
+          <a:fontRef idx="minor">
+            <a:schemeClr val="lt1"/>
+          </a:fontRef>
+        </p:style>
+      </p:cxnSp>
+      <p:sp>
+        <p:nvSpPr>
+          <p:cNvPr id="128" name="Forme libre 127"/>
+          <p:cNvSpPr/>
+          <p:nvPr/>
+        </p:nvSpPr>
+        <p:spPr>
+          <a:xfrm>
+            <a:off x="2589616" y="800100"/>
+            <a:ext cx="153584" cy="423606"/>
+          </a:xfrm>
+          <a:custGeom>
+            <a:avLst/>
+            <a:gdLst>
+              <a:gd name="connsiteX0" fmla="*/ 155493 w 155493"/>
+              <a:gd name="connsiteY0" fmla="*/ 0 h 400050"/>
+              <a:gd name="connsiteX1" fmla="*/ 3093 w 155493"/>
+              <a:gd name="connsiteY1" fmla="*/ 133350 h 400050"/>
+              <a:gd name="connsiteX2" fmla="*/ 60243 w 155493"/>
+              <a:gd name="connsiteY2" fmla="*/ 333375 h 400050"/>
+              <a:gd name="connsiteX3" fmla="*/ 145968 w 155493"/>
+              <a:gd name="connsiteY3" fmla="*/ 400050 h 400050"/>
+            </a:gdLst>
+            <a:ahLst/>
+            <a:cxnLst>
+              <a:cxn ang="0">
+                <a:pos x="connsiteX0" y="connsiteY0"/>
+              </a:cxn>
+              <a:cxn ang="0">
+                <a:pos x="connsiteX1" y="connsiteY1"/>
+              </a:cxn>
+              <a:cxn ang="0">
+                <a:pos x="connsiteX2" y="connsiteY2"/>
+              </a:cxn>
+              <a:cxn ang="0">
+                <a:pos x="connsiteX3" y="connsiteY3"/>
+              </a:cxn>
+            </a:cxnLst>
+            <a:rect l="l" t="t" r="r" b="b"/>
+            <a:pathLst>
+              <a:path w="155493" h="400050">
+                <a:moveTo>
+                  <a:pt x="155493" y="0"/>
+                </a:moveTo>
+                <a:cubicBezTo>
+                  <a:pt x="87230" y="38894"/>
+                  <a:pt x="18968" y="77788"/>
+                  <a:pt x="3093" y="133350"/>
+                </a:cubicBezTo>
+                <a:cubicBezTo>
+                  <a:pt x="-12782" y="188912"/>
+                  <a:pt x="36431" y="288925"/>
+                  <a:pt x="60243" y="333375"/>
+                </a:cubicBezTo>
+                <a:cubicBezTo>
+                  <a:pt x="84055" y="377825"/>
+                  <a:pt x="115011" y="388937"/>
+                  <a:pt x="145968" y="400050"/>
+                </a:cubicBezTo>
+              </a:path>
+            </a:pathLst>
+          </a:custGeom>
+          <a:solidFill>
+            <a:schemeClr val="bg1">
+              <a:lumMod val="75000"/>
+            </a:schemeClr>
+          </a:solidFill>
+          <a:ln w="12700">
+            <a:noFill/>
+          </a:ln>
+        </p:spPr>
+        <p:style>
+          <a:lnRef idx="1">
+            <a:schemeClr val="accent1"/>
+          </a:lnRef>
+          <a:fillRef idx="0">
+            <a:schemeClr val="accent1"/>
+          </a:fillRef>
+          <a:effectRef idx="0">
+            <a:schemeClr val="accent1"/>
+          </a:effectRef>
+          <a:fontRef idx="minor">
+            <a:schemeClr val="tx1"/>
+          </a:fontRef>
+        </p:style>
+        <p:txBody>
+          <a:bodyPr rtlCol="0" anchor="ctr"/>
+          <a:lstStyle/>
+          <a:p>
+            <a:pPr algn="ctr"/>
+            <a:endParaRPr lang="fr-FR"/>
+          </a:p>
+        </p:txBody>
+      </p:sp>
+      <p:sp>
+        <p:nvSpPr>
+          <p:cNvPr id="176" name="Ellipse 175"/>
+          <p:cNvSpPr/>
+          <p:nvPr/>
+        </p:nvSpPr>
+        <p:spPr>
+          <a:xfrm>
+            <a:off x="2037829" y="1509416"/>
+            <a:ext cx="252000" cy="252000"/>
+          </a:xfrm>
+          <a:prstGeom prst="ellipse">
+            <a:avLst/>
+          </a:prstGeom>
+          <a:solidFill>
+            <a:schemeClr val="bg1"/>
+          </a:solidFill>
+          <a:ln w="12700">
+            <a:solidFill>
+              <a:schemeClr val="tx1"/>
+            </a:solidFill>
+          </a:ln>
+        </p:spPr>
+        <p:style>
+          <a:lnRef idx="2">
+            <a:schemeClr val="accent1">
+              <a:shade val="50000"/>
+            </a:schemeClr>
+          </a:lnRef>
+          <a:fillRef idx="1">
+            <a:schemeClr val="accent1"/>
+          </a:fillRef>
+          <a:effectRef idx="0">
+            <a:schemeClr val="accent1"/>
+          </a:effectRef>
+          <a:fontRef idx="minor">
+            <a:schemeClr val="lt1"/>
+          </a:fontRef>
+        </p:style>
+        <p:txBody>
+          <a:bodyPr lIns="0" tIns="0" rIns="0" bIns="0" rtlCol="0" anchor="ctr"/>
+          <a:lstStyle/>
+          <a:p>
+            <a:pPr algn="ctr"/>
+            <a:r>
+              <a:rPr lang="fr-FR" sz="1200" dirty="0" smtClean="0">
+                <a:solidFill>
+                  <a:sysClr val="windowText" lastClr="000000"/>
+                </a:solidFill>
+              </a:rPr>
+              <a:t>3</a:t>
+            </a:r>
+            <a:r>
+              <a:rPr lang="fr-FR" sz="1200" baseline="-25000" dirty="0" smtClean="0">
+                <a:solidFill>
+                  <a:sysClr val="windowText" lastClr="000000"/>
+                </a:solidFill>
+              </a:rPr>
+              <a:t>2</a:t>
+            </a:r>
+            <a:endParaRPr lang="fr-FR" baseline="-25000" dirty="0">
+              <a:solidFill>
+                <a:sysClr val="windowText" lastClr="000000"/>
+              </a:solidFill>
+            </a:endParaRPr>
+          </a:p>
+        </p:txBody>
+      </p:sp>
+      <p:cxnSp>
+        <p:nvCxnSpPr>
+          <p:cNvPr id="133" name="Connecteur droit avec flèche 132"/>
+          <p:cNvCxnSpPr>
+            <a:stCxn id="176" idx="6"/>
+          </p:cNvCxnSpPr>
+          <p:nvPr/>
+        </p:nvCxnSpPr>
+        <p:spPr>
+          <a:xfrm>
+            <a:off x="2289829" y="1635416"/>
+            <a:ext cx="771861" cy="0"/>
+          </a:xfrm>
+          <a:prstGeom prst="straightConnector1">
+            <a:avLst/>
+          </a:prstGeom>
+          <a:ln w="12700">
+            <a:solidFill>
+              <a:schemeClr val="tx1"/>
+            </a:solidFill>
+            <a:headEnd w="med" len="lg"/>
+            <a:tailEnd type="stealth" w="med" len="lg"/>
+          </a:ln>
+        </p:spPr>
+        <p:style>
+          <a:lnRef idx="1">
+            <a:schemeClr val="accent1"/>
+          </a:lnRef>
+          <a:fillRef idx="0">
+            <a:schemeClr val="accent1"/>
+          </a:fillRef>
+          <a:effectRef idx="0">
+            <a:schemeClr val="accent1"/>
+          </a:effectRef>
+          <a:fontRef idx="minor">
+            <a:schemeClr val="tx1"/>
+          </a:fontRef>
+        </p:style>
+      </p:cxnSp>
+      <p:sp>
+        <p:nvSpPr>
+          <p:cNvPr id="181" name="Ellipse 180"/>
+          <p:cNvSpPr/>
+          <p:nvPr/>
+        </p:nvSpPr>
+        <p:spPr>
+          <a:xfrm>
+            <a:off x="2874352" y="4332644"/>
+            <a:ext cx="252000" cy="252000"/>
+          </a:xfrm>
+          <a:prstGeom prst="ellipse">
+            <a:avLst/>
+          </a:prstGeom>
+          <a:solidFill>
+            <a:schemeClr val="bg1"/>
+          </a:solidFill>
+          <a:ln w="12700">
+            <a:solidFill>
+              <a:schemeClr val="tx1"/>
+            </a:solidFill>
+          </a:ln>
+        </p:spPr>
+        <p:style>
+          <a:lnRef idx="2">
+            <a:schemeClr val="accent1">
+              <a:shade val="50000"/>
+            </a:schemeClr>
+          </a:lnRef>
+          <a:fillRef idx="1">
+            <a:schemeClr val="accent1"/>
+          </a:fillRef>
+          <a:effectRef idx="0">
+            <a:schemeClr val="accent1"/>
+          </a:effectRef>
+          <a:fontRef idx="minor">
+            <a:schemeClr val="lt1"/>
+          </a:fontRef>
+        </p:style>
+        <p:txBody>
+          <a:bodyPr lIns="0" tIns="0" rIns="0" bIns="0" rtlCol="0" anchor="ctr"/>
+          <a:lstStyle/>
+          <a:p>
+            <a:pPr algn="ctr"/>
+            <a:r>
+              <a:rPr lang="fr-FR" sz="1200" dirty="0" smtClean="0">
+                <a:solidFill>
+                  <a:sysClr val="windowText" lastClr="000000"/>
+                </a:solidFill>
+              </a:rPr>
+              <a:t>3</a:t>
+            </a:r>
+            <a:r>
+              <a:rPr lang="fr-FR" sz="1200" baseline="-25000" dirty="0" smtClean="0">
+                <a:solidFill>
+                  <a:sysClr val="windowText" lastClr="000000"/>
+                </a:solidFill>
+              </a:rPr>
+              <a:t>1</a:t>
+            </a:r>
+            <a:endParaRPr lang="fr-FR" baseline="-25000" dirty="0">
+              <a:solidFill>
+                <a:sysClr val="windowText" lastClr="000000"/>
+              </a:solidFill>
+            </a:endParaRPr>
+          </a:p>
+        </p:txBody>
+      </p:sp>
+      <p:cxnSp>
+        <p:nvCxnSpPr>
+          <p:cNvPr id="182" name="Connecteur droit avec flèche 181"/>
+          <p:cNvCxnSpPr>
+            <a:stCxn id="181" idx="2"/>
+          </p:cNvCxnSpPr>
+          <p:nvPr/>
+        </p:nvCxnSpPr>
+        <p:spPr>
+          <a:xfrm flipH="1">
+            <a:off x="2270548" y="4458644"/>
+            <a:ext cx="603804" cy="0"/>
+          </a:xfrm>
+          <a:prstGeom prst="straightConnector1">
+            <a:avLst/>
+          </a:prstGeom>
+          <a:ln w="12700">
+            <a:solidFill>
+              <a:schemeClr val="tx1"/>
+            </a:solidFill>
+            <a:headEnd w="med" len="lg"/>
+            <a:tailEnd type="stealth" w="med" len="lg"/>
+          </a:ln>
+        </p:spPr>
+        <p:style>
+          <a:lnRef idx="1">
+            <a:schemeClr val="accent1"/>
+          </a:lnRef>
+          <a:fillRef idx="0">
+            <a:schemeClr val="accent1"/>
+          </a:fillRef>
+          <a:effectRef idx="0">
+            <a:schemeClr val="accent1"/>
+          </a:effectRef>
+          <a:fontRef idx="minor">
+            <a:schemeClr val="tx1"/>
+          </a:fontRef>
+        </p:style>
+      </p:cxnSp>
+      <p:sp>
+        <p:nvSpPr>
+          <p:cNvPr id="185" name="Ellipse 184"/>
+          <p:cNvSpPr/>
+          <p:nvPr/>
+        </p:nvSpPr>
+        <p:spPr>
+          <a:xfrm>
+            <a:off x="3499464" y="982646"/>
+            <a:ext cx="252000" cy="252000"/>
+          </a:xfrm>
+          <a:prstGeom prst="ellipse">
+            <a:avLst/>
+          </a:prstGeom>
+          <a:solidFill>
+            <a:schemeClr val="bg1"/>
+          </a:solidFill>
+          <a:ln w="12700">
+            <a:solidFill>
+              <a:schemeClr val="tx1"/>
+            </a:solidFill>
+          </a:ln>
+        </p:spPr>
+        <p:style>
+          <a:lnRef idx="2">
+            <a:schemeClr val="accent1">
+              <a:shade val="50000"/>
+            </a:schemeClr>
+          </a:lnRef>
+          <a:fillRef idx="1">
+            <a:schemeClr val="accent1"/>
+          </a:fillRef>
+          <a:effectRef idx="0">
+            <a:schemeClr val="accent1"/>
+          </a:effectRef>
+          <a:fontRef idx="minor">
+            <a:schemeClr val="lt1"/>
+          </a:fontRef>
+        </p:style>
+        <p:txBody>
+          <a:bodyPr lIns="0" tIns="0" rIns="0" bIns="0" rtlCol="0" anchor="ctr"/>
+          <a:lstStyle/>
+          <a:p>
+            <a:pPr algn="ctr"/>
+            <a:r>
+              <a:rPr lang="fr-FR" sz="1200" dirty="0" smtClean="0">
+                <a:solidFill>
+                  <a:sysClr val="windowText" lastClr="000000"/>
+                </a:solidFill>
+              </a:rPr>
+              <a:t>0</a:t>
+            </a:r>
+            <a:endParaRPr lang="fr-FR" baseline="-25000" dirty="0">
+              <a:solidFill>
+                <a:sysClr val="windowText" lastClr="000000"/>
+              </a:solidFill>
+            </a:endParaRPr>
+          </a:p>
+        </p:txBody>
+      </p:sp>
+      <p:cxnSp>
+        <p:nvCxnSpPr>
+          <p:cNvPr id="186" name="Connecteur droit avec flèche 185"/>
+          <p:cNvCxnSpPr>
+            <a:stCxn id="185" idx="2"/>
+          </p:cNvCxnSpPr>
+          <p:nvPr/>
+        </p:nvCxnSpPr>
+        <p:spPr>
+          <a:xfrm flipH="1">
+            <a:off x="3097724" y="1108646"/>
+            <a:ext cx="401740" cy="0"/>
+          </a:xfrm>
+          <a:prstGeom prst="straightConnector1">
+            <a:avLst/>
+          </a:prstGeom>
+          <a:ln w="12700">
+            <a:solidFill>
+              <a:schemeClr val="tx1"/>
+            </a:solidFill>
+            <a:headEnd w="med" len="lg"/>
+            <a:tailEnd type="stealth" w="med" len="lg"/>
+          </a:ln>
+        </p:spPr>
+        <p:style>
+          <a:lnRef idx="1">
+            <a:schemeClr val="accent1"/>
+          </a:lnRef>
+          <a:fillRef idx="0">
+            <a:schemeClr val="accent1"/>
+          </a:fillRef>
+          <a:effectRef idx="0">
+            <a:schemeClr val="accent1"/>
+          </a:effectRef>
+          <a:fontRef idx="minor">
+            <a:schemeClr val="tx1"/>
+          </a:fontRef>
+        </p:style>
+      </p:cxnSp>
+      <p:sp>
+        <p:nvSpPr>
+          <p:cNvPr id="193" name="Ellipse 192"/>
+          <p:cNvSpPr/>
+          <p:nvPr/>
+        </p:nvSpPr>
+        <p:spPr>
+          <a:xfrm>
+            <a:off x="3933674" y="1391410"/>
+            <a:ext cx="373360" cy="373360"/>
+          </a:xfrm>
+          <a:prstGeom prst="ellipse">
+            <a:avLst/>
+          </a:prstGeom>
+          <a:noFill/>
+          <a:ln w="28575">
+            <a:solidFill>
+              <a:srgbClr val="00B050"/>
+            </a:solidFill>
+          </a:ln>
+        </p:spPr>
+        <p:style>
+          <a:lnRef idx="2">
+            <a:schemeClr val="accent1">
+              <a:shade val="50000"/>
+            </a:schemeClr>
+          </a:lnRef>
+          <a:fillRef idx="1">
+            <a:schemeClr val="accent1"/>
+          </a:fillRef>
+          <a:effectRef idx="0">
+            <a:schemeClr val="accent1"/>
+          </a:effectRef>
+          <a:fontRef idx="minor">
+            <a:schemeClr val="lt1"/>
+          </a:fontRef>
+        </p:style>
+        <p:txBody>
+          <a:bodyPr lIns="0" tIns="0" rIns="0" bIns="0" rtlCol="0" anchor="ctr"/>
+          <a:lstStyle/>
+          <a:p>
+            <a:pPr algn="ctr"/>
+            <a:r>
+              <a:rPr lang="fr-FR" sz="1400" b="1" dirty="0">
+                <a:solidFill>
+                  <a:srgbClr val="00B050"/>
+                </a:solidFill>
+              </a:rPr>
+              <a:t>M</a:t>
+            </a:r>
+            <a:endParaRPr lang="fr-FR" b="1" baseline="-25000" dirty="0">
+              <a:solidFill>
+                <a:srgbClr val="00B050"/>
+              </a:solidFill>
+            </a:endParaRPr>
+          </a:p>
+        </p:txBody>
+      </p:sp>
+      <p:cxnSp>
+        <p:nvCxnSpPr>
+          <p:cNvPr id="194" name="Connecteur droit avec flèche 193"/>
+          <p:cNvCxnSpPr/>
+          <p:nvPr/>
+        </p:nvCxnSpPr>
+        <p:spPr>
+          <a:xfrm flipH="1">
+            <a:off x="3858397" y="2768240"/>
+            <a:ext cx="469782" cy="0"/>
+          </a:xfrm>
+          <a:prstGeom prst="straightConnector1">
+            <a:avLst/>
+          </a:prstGeom>
+          <a:ln w="12700">
+            <a:solidFill>
+              <a:schemeClr val="tx1"/>
+            </a:solidFill>
+            <a:headEnd w="med" len="lg"/>
+            <a:tailEnd type="stealth" w="med" len="lg"/>
+          </a:ln>
+        </p:spPr>
+        <p:style>
+          <a:lnRef idx="1">
+            <a:schemeClr val="accent1"/>
+          </a:lnRef>
+          <a:fillRef idx="0">
+            <a:schemeClr val="accent1"/>
+          </a:fillRef>
+          <a:effectRef idx="0">
+            <a:schemeClr val="accent1"/>
+          </a:effectRef>
+          <a:fontRef idx="minor">
+            <a:schemeClr val="tx1"/>
+          </a:fontRef>
+        </p:style>
+      </p:cxnSp>
+      <p:sp>
+        <p:nvSpPr>
+          <p:cNvPr id="149" name="Rectangle 148"/>
+          <p:cNvSpPr/>
+          <p:nvPr/>
+        </p:nvSpPr>
+        <p:spPr>
+          <a:xfrm>
+            <a:off x="4250052" y="2624524"/>
+            <a:ext cx="914738" cy="276999"/>
+          </a:xfrm>
+          <a:prstGeom prst="rect">
+            <a:avLst/>
+          </a:prstGeom>
+        </p:spPr>
+        <p:txBody>
+          <a:bodyPr wrap="none">
+            <a:spAutoFit/>
+          </a:bodyPr>
+          <a:lstStyle/>
+          <a:p>
+            <a:r>
+              <a:rPr lang="fr-FR" sz="1200" dirty="0" smtClean="0">
+                <a:solidFill>
+                  <a:sysClr val="windowText" lastClr="000000"/>
+                </a:solidFill>
+              </a:rPr>
+              <a:t>Axe moteur</a:t>
+            </a:r>
+            <a:endParaRPr lang="fr-FR" sz="1200" dirty="0"/>
+          </a:p>
+        </p:txBody>
+      </p:sp>
+      <p:cxnSp>
+        <p:nvCxnSpPr>
+          <p:cNvPr id="197" name="Connecteur droit avec flèche 196"/>
+          <p:cNvCxnSpPr/>
+          <p:nvPr/>
+        </p:nvCxnSpPr>
+        <p:spPr>
+          <a:xfrm flipH="1">
+            <a:off x="3845446" y="3482583"/>
+            <a:ext cx="469782" cy="0"/>
+          </a:xfrm>
+          <a:prstGeom prst="straightConnector1">
+            <a:avLst/>
+          </a:prstGeom>
+          <a:ln w="12700">
+            <a:solidFill>
+              <a:schemeClr val="tx1"/>
+            </a:solidFill>
+            <a:headEnd w="med" len="lg"/>
+            <a:tailEnd type="stealth" w="med" len="lg"/>
+          </a:ln>
+        </p:spPr>
+        <p:style>
+          <a:lnRef idx="1">
+            <a:schemeClr val="accent1"/>
+          </a:lnRef>
+          <a:fillRef idx="0">
+            <a:schemeClr val="accent1"/>
+          </a:fillRef>
+          <a:effectRef idx="0">
+            <a:schemeClr val="accent1"/>
+          </a:effectRef>
+          <a:fontRef idx="minor">
+            <a:schemeClr val="tx1"/>
+          </a:fontRef>
+        </p:style>
+      </p:cxnSp>
+      <p:sp>
+        <p:nvSpPr>
+          <p:cNvPr id="198" name="Rectangle 197"/>
+          <p:cNvSpPr/>
+          <p:nvPr/>
+        </p:nvSpPr>
+        <p:spPr>
+          <a:xfrm>
+            <a:off x="4237101" y="3338867"/>
+            <a:ext cx="1093697" cy="276999"/>
+          </a:xfrm>
+          <a:prstGeom prst="rect">
+            <a:avLst/>
+          </a:prstGeom>
+        </p:spPr>
+        <p:txBody>
+          <a:bodyPr wrap="none">
+            <a:spAutoFit/>
+          </a:bodyPr>
+          <a:lstStyle/>
+          <a:p>
+            <a:r>
+              <a:rPr lang="fr-FR" sz="1200" dirty="0" smtClean="0">
+                <a:solidFill>
+                  <a:sysClr val="windowText" lastClr="000000"/>
+                </a:solidFill>
+              </a:rPr>
+              <a:t>Poulie motrice</a:t>
+            </a:r>
+            <a:endParaRPr lang="fr-FR" sz="1200" dirty="0"/>
+          </a:p>
+        </p:txBody>
+      </p:sp>
+      <p:cxnSp>
+        <p:nvCxnSpPr>
+          <p:cNvPr id="6" name="Connecteur droit 5"/>
+          <p:cNvCxnSpPr/>
+          <p:nvPr/>
+        </p:nvCxnSpPr>
+        <p:spPr>
+          <a:xfrm flipV="1">
+            <a:off x="3414707" y="4689168"/>
+            <a:ext cx="0" cy="180024"/>
+          </a:xfrm>
+          <a:prstGeom prst="line">
+            <a:avLst/>
+          </a:prstGeom>
+          <a:ln w="28575"/>
+        </p:spPr>
+        <p:style>
+          <a:lnRef idx="1">
+            <a:schemeClr val="accent1"/>
+          </a:lnRef>
+          <a:fillRef idx="0">
+            <a:schemeClr val="accent1"/>
+          </a:fillRef>
+          <a:effectRef idx="0">
+            <a:schemeClr val="accent1"/>
+          </a:effectRef>
+          <a:fontRef idx="minor">
+            <a:schemeClr val="tx1"/>
+          </a:fontRef>
+        </p:style>
+      </p:cxnSp>
+      <p:cxnSp>
+        <p:nvCxnSpPr>
+          <p:cNvPr id="72" name="Connecteur droit 71"/>
+          <p:cNvCxnSpPr/>
+          <p:nvPr/>
+        </p:nvCxnSpPr>
+        <p:spPr>
+          <a:xfrm flipV="1">
+            <a:off x="4307034" y="4689168"/>
+            <a:ext cx="0" cy="180024"/>
+          </a:xfrm>
+          <a:prstGeom prst="line">
+            <a:avLst/>
+          </a:prstGeom>
+          <a:ln w="28575"/>
+        </p:spPr>
+        <p:style>
+          <a:lnRef idx="1">
+            <a:schemeClr val="accent1"/>
+          </a:lnRef>
+          <a:fillRef idx="0">
+            <a:schemeClr val="accent1"/>
+          </a:fillRef>
+          <a:effectRef idx="0">
+            <a:schemeClr val="accent1"/>
+          </a:effectRef>
+          <a:fontRef idx="minor">
+            <a:schemeClr val="tx1"/>
+          </a:fontRef>
+        </p:style>
+      </p:cxnSp>
+      <p:cxnSp>
+        <p:nvCxnSpPr>
+          <p:cNvPr id="73" name="Connecteur droit 72"/>
+          <p:cNvCxnSpPr/>
+          <p:nvPr/>
+        </p:nvCxnSpPr>
+        <p:spPr>
+          <a:xfrm>
+            <a:off x="3414707" y="4689168"/>
+            <a:ext cx="892327" cy="0"/>
+          </a:xfrm>
+          <a:prstGeom prst="line">
+            <a:avLst/>
+          </a:prstGeom>
+          <a:ln w="28575"/>
+        </p:spPr>
+        <p:style>
+          <a:lnRef idx="1">
+            <a:schemeClr val="accent1"/>
+          </a:lnRef>
+          <a:fillRef idx="0">
+            <a:schemeClr val="accent1"/>
+          </a:fillRef>
+          <a:effectRef idx="0">
+            <a:schemeClr val="accent1"/>
+          </a:effectRef>
+          <a:fontRef idx="minor">
+            <a:schemeClr val="tx1"/>
+          </a:fontRef>
+        </p:style>
+      </p:cxnSp>
+      <p:cxnSp>
+        <p:nvCxnSpPr>
+          <p:cNvPr id="77" name="Connecteur droit 76"/>
+          <p:cNvCxnSpPr/>
+          <p:nvPr/>
+        </p:nvCxnSpPr>
+        <p:spPr>
+          <a:xfrm>
+            <a:off x="3399282" y="4782627"/>
+            <a:ext cx="2342874" cy="0"/>
+          </a:xfrm>
+          <a:prstGeom prst="line">
+            <a:avLst/>
+          </a:prstGeom>
+        </p:spPr>
+        <p:style>
+          <a:lnRef idx="1">
+            <a:schemeClr val="accent1"/>
+          </a:lnRef>
+          <a:fillRef idx="0">
+            <a:schemeClr val="accent1"/>
+          </a:fillRef>
+          <a:effectRef idx="0">
+            <a:schemeClr val="accent1"/>
+          </a:effectRef>
+          <a:fontRef idx="minor">
+            <a:schemeClr val="tx1"/>
+          </a:fontRef>
+        </p:style>
+      </p:cxnSp>
+      <p:cxnSp>
+        <p:nvCxnSpPr>
+          <p:cNvPr id="78" name="Connecteur droit 77"/>
+          <p:cNvCxnSpPr/>
+          <p:nvPr/>
+        </p:nvCxnSpPr>
+        <p:spPr>
+          <a:xfrm flipV="1">
+            <a:off x="5742156" y="4689168"/>
+            <a:ext cx="0" cy="180024"/>
+          </a:xfrm>
+          <a:prstGeom prst="line">
+            <a:avLst/>
+          </a:prstGeom>
+          <a:ln w="28575"/>
+        </p:spPr>
+        <p:style>
+          <a:lnRef idx="1">
+            <a:schemeClr val="accent1"/>
+          </a:lnRef>
+          <a:fillRef idx="0">
+            <a:schemeClr val="accent1"/>
+          </a:fillRef>
+          <a:effectRef idx="0">
+            <a:schemeClr val="accent1"/>
+          </a:effectRef>
+          <a:fontRef idx="minor">
+            <a:schemeClr val="tx1"/>
+          </a:fontRef>
+        </p:style>
+      </p:cxnSp>
+      <p:cxnSp>
+        <p:nvCxnSpPr>
+          <p:cNvPr id="80" name="Connecteur droit 79"/>
+          <p:cNvCxnSpPr/>
+          <p:nvPr/>
+        </p:nvCxnSpPr>
+        <p:spPr>
+          <a:xfrm flipV="1">
+            <a:off x="5292096" y="4689168"/>
+            <a:ext cx="0" cy="180024"/>
+          </a:xfrm>
+          <a:prstGeom prst="line">
+            <a:avLst/>
+          </a:prstGeom>
+          <a:ln w="28575"/>
+        </p:spPr>
+        <p:style>
+          <a:lnRef idx="1">
+            <a:schemeClr val="accent1"/>
+          </a:lnRef>
+          <a:fillRef idx="0">
+            <a:schemeClr val="accent1"/>
+          </a:fillRef>
+          <a:effectRef idx="0">
+            <a:schemeClr val="accent1"/>
+          </a:effectRef>
+          <a:fontRef idx="minor">
+            <a:schemeClr val="tx1"/>
+          </a:fontRef>
+        </p:style>
+      </p:cxnSp>
+      <p:cxnSp>
+        <p:nvCxnSpPr>
+          <p:cNvPr id="81" name="Connecteur droit 80"/>
+          <p:cNvCxnSpPr/>
+          <p:nvPr/>
+        </p:nvCxnSpPr>
+        <p:spPr>
+          <a:xfrm flipH="1">
+            <a:off x="5292096" y="4689168"/>
+            <a:ext cx="450060" cy="0"/>
+          </a:xfrm>
+          <a:prstGeom prst="line">
+            <a:avLst/>
+          </a:prstGeom>
+          <a:ln w="28575"/>
+        </p:spPr>
+        <p:style>
+          <a:lnRef idx="1">
+            <a:schemeClr val="accent1"/>
+          </a:lnRef>
+          <a:fillRef idx="0">
+            <a:schemeClr val="accent1"/>
+          </a:fillRef>
+          <a:effectRef idx="0">
+            <a:schemeClr val="accent1"/>
+          </a:effectRef>
+          <a:fontRef idx="minor">
+            <a:schemeClr val="tx1"/>
+          </a:fontRef>
+        </p:style>
+      </p:cxnSp>
+      <p:cxnSp>
+        <p:nvCxnSpPr>
+          <p:cNvPr id="83" name="Connecteur droit 82"/>
+          <p:cNvCxnSpPr/>
+          <p:nvPr/>
+        </p:nvCxnSpPr>
+        <p:spPr>
+          <a:xfrm flipV="1">
+            <a:off x="3854473" y="4239108"/>
+            <a:ext cx="0" cy="450060"/>
+          </a:xfrm>
+          <a:prstGeom prst="line">
+            <a:avLst/>
+          </a:prstGeom>
+          <a:ln w="28575"/>
+        </p:spPr>
+        <p:style>
+          <a:lnRef idx="1">
+            <a:schemeClr val="accent1"/>
+          </a:lnRef>
+          <a:fillRef idx="0">
+            <a:schemeClr val="accent1"/>
+          </a:fillRef>
+          <a:effectRef idx="0">
+            <a:schemeClr val="accent1"/>
+          </a:effectRef>
+          <a:fontRef idx="minor">
+            <a:schemeClr val="tx1"/>
+          </a:fontRef>
+        </p:style>
+      </p:cxnSp>
+      <p:cxnSp>
+        <p:nvCxnSpPr>
+          <p:cNvPr id="86" name="Connecteur droit 85"/>
+          <p:cNvCxnSpPr/>
+          <p:nvPr/>
+        </p:nvCxnSpPr>
+        <p:spPr>
+          <a:xfrm flipV="1">
+            <a:off x="5517126" y="4233614"/>
+            <a:ext cx="0" cy="450060"/>
+          </a:xfrm>
+          <a:prstGeom prst="line">
+            <a:avLst/>
+          </a:prstGeom>
+          <a:ln w="28575"/>
+        </p:spPr>
+        <p:style>
+          <a:lnRef idx="1">
+            <a:schemeClr val="accent1"/>
+          </a:lnRef>
+          <a:fillRef idx="0">
+            <a:schemeClr val="accent1"/>
+          </a:fillRef>
+          <a:effectRef idx="0">
+            <a:schemeClr val="accent1"/>
+          </a:effectRef>
+          <a:fontRef idx="minor">
+            <a:schemeClr val="tx1"/>
+          </a:fontRef>
+        </p:style>
+      </p:cxnSp>
+      <p:sp>
+        <p:nvSpPr>
+          <p:cNvPr id="88" name="Rectangle 87"/>
+          <p:cNvSpPr/>
+          <p:nvPr/>
+        </p:nvSpPr>
+        <p:spPr>
+          <a:xfrm>
+            <a:off x="3523692" y="3981329"/>
+            <a:ext cx="2223750" cy="461665"/>
+          </a:xfrm>
+          <a:prstGeom prst="rect">
+            <a:avLst/>
+          </a:prstGeom>
+        </p:spPr>
+        <p:txBody>
+          <a:bodyPr wrap="none">
+            <a:spAutoFit/>
+          </a:bodyPr>
+          <a:lstStyle/>
+          <a:p>
+            <a:pPr algn="ctr"/>
+            <a:r>
+              <a:rPr lang="fr-FR" sz="1200" dirty="0" smtClean="0">
+                <a:solidFill>
+                  <a:sysClr val="windowText" lastClr="000000"/>
+                </a:solidFill>
+              </a:rPr>
+              <a:t>Modélisation d’une transmission</a:t>
+            </a:r>
+          </a:p>
+          <a:p>
+            <a:pPr algn="ctr"/>
+            <a:r>
+              <a:rPr lang="fr-FR" sz="1200" dirty="0" smtClean="0">
+                <a:solidFill>
+                  <a:sysClr val="windowText" lastClr="000000"/>
+                </a:solidFill>
+              </a:rPr>
+              <a:t>Poulie – courroie</a:t>
+            </a:r>
+            <a:endParaRPr lang="fr-FR" sz="1200" dirty="0"/>
+          </a:p>
+        </p:txBody>
+      </p:sp>
+    </p:spTree>
+    <p:extLst>
+      <p:ext uri="{BB962C8B-B14F-4D97-AF65-F5344CB8AC3E}">
+        <p14:creationId xmlns:p14="http://schemas.microsoft.com/office/powerpoint/2010/main" val="1720375775"/>
+      </p:ext>
+    </p:extLst>
+  </p:cSld>
+  <p:clrMapOvr>
+    <a:masterClrMapping/>
+  </p:clrMapOvr>
+</p:sld>
+</file>
+
+<file path=ppt/slides/slide6.xml><?xml version="1.0" encoding="utf-8"?>
+<p:sld xmlns:a="http://schemas.openxmlformats.org/drawingml/2006/main" xmlns:r="http://schemas.openxmlformats.org/officeDocument/2006/relationships" xmlns:p="http://schemas.openxmlformats.org/presentationml/2006/main">
+  <p:cSld>
+    <p:spTree>
+      <p:nvGrpSpPr>
+        <p:cNvPr id="1" name=""/>
+        <p:cNvGrpSpPr/>
+        <p:nvPr/>
+      </p:nvGrpSpPr>
+      <p:grpSpPr>
+        <a:xfrm>
+          <a:off x="0" y="0"/>
+          <a:ext cx="0" cy="0"/>
+          <a:chOff x="0" y="0"/>
+          <a:chExt cx="0" cy="0"/>
+        </a:xfrm>
+      </p:grpSpPr>
       <p:sp>
         <p:nvSpPr>
           <p:cNvPr id="4" name="Rectangle 3"/>
